--- a/기능정의서.pptx
+++ b/기능정의서.pptx
@@ -4,10 +4,14 @@
   <p:sldMasterIdLst>
     <p:sldMasterId id="2147483648" r:id="rId1"/>
   </p:sldMasterIdLst>
+  <p:notesMasterIdLst>
+    <p:notesMasterId r:id="rId6"/>
+  </p:notesMasterIdLst>
   <p:sldIdLst>
     <p:sldId id="256" r:id="rId2"/>
     <p:sldId id="258" r:id="rId3"/>
-    <p:sldId id="257" r:id="rId4"/>
+    <p:sldId id="260" r:id="rId4"/>
+    <p:sldId id="261" r:id="rId5"/>
   </p:sldIdLst>
   <p:sldSz cx="12192000" cy="6858000"/>
   <p:notesSz cx="6858000" cy="9144000"/>
@@ -106,7 +110,364 @@
       </a:defRPr>
     </a:lvl9pPr>
   </p:defaultTextStyle>
+  <p:extLst>
+    <p:ext uri="{EFAFB233-063F-42B5-8137-9DF3F51BA10A}">
+      <p15:sldGuideLst xmlns:p15="http://schemas.microsoft.com/office/powerpoint/2012/main"/>
+    </p:ext>
+    <p:ext uri="{2D200454-40CA-4A62-9FC3-DE9A4176ACB9}">
+      <p15:notesGuideLst xmlns:p15="http://schemas.microsoft.com/office/powerpoint/2012/main"/>
+    </p:ext>
+  </p:extLst>
 </p:presentation>
+</file>
+
+<file path=ppt/notesMasters/notesMaster1.xml><?xml version="1.0" encoding="utf-8"?>
+<p:notesMaster xmlns:a="http://schemas.openxmlformats.org/drawingml/2006/main" xmlns:r="http://schemas.openxmlformats.org/officeDocument/2006/relationships" xmlns:p="http://schemas.openxmlformats.org/presentationml/2006/main">
+  <p:cSld>
+    <p:bg>
+      <p:bgRef idx="1001">
+        <a:schemeClr val="bg1"/>
+      </p:bgRef>
+    </p:bg>
+    <p:spTree>
+      <p:nvGrpSpPr>
+        <p:cNvPr id="1" name=""/>
+        <p:cNvGrpSpPr/>
+        <p:nvPr/>
+      </p:nvGrpSpPr>
+      <p:grpSpPr>
+        <a:xfrm>
+          <a:off x="0" y="0"/>
+          <a:ext cx="0" cy="0"/>
+          <a:chOff x="0" y="0"/>
+          <a:chExt cx="0" cy="0"/>
+        </a:xfrm>
+      </p:grpSpPr>
+      <p:sp>
+        <p:nvSpPr>
+          <p:cNvPr id="2" name="머리글 개체 틀 1"/>
+          <p:cNvSpPr>
+            <a:spLocks noGrp="1"/>
+          </p:cNvSpPr>
+          <p:nvPr>
+            <p:ph type="hdr" sz="quarter"/>
+          </p:nvPr>
+        </p:nvSpPr>
+        <p:spPr>
+          <a:xfrm>
+            <a:off x="0" y="0"/>
+            <a:ext cx="2971800" cy="458788"/>
+          </a:xfrm>
+          <a:prstGeom prst="rect">
+            <a:avLst/>
+          </a:prstGeom>
+        </p:spPr>
+        <p:txBody>
+          <a:bodyPr vert="horz" lIns="91440" tIns="45720" rIns="91440" bIns="45720" rtlCol="0"/>
+          <a:lstStyle>
+            <a:lvl1pPr algn="l">
+              <a:defRPr sz="1200"/>
+            </a:lvl1pPr>
+          </a:lstStyle>
+          <a:p>
+            <a:endParaRPr lang="ko-KR" altLang="en-US"/>
+          </a:p>
+        </p:txBody>
+      </p:sp>
+      <p:sp>
+        <p:nvSpPr>
+          <p:cNvPr id="3" name="날짜 개체 틀 2"/>
+          <p:cNvSpPr>
+            <a:spLocks noGrp="1"/>
+          </p:cNvSpPr>
+          <p:nvPr>
+            <p:ph type="dt" idx="1"/>
+          </p:nvPr>
+        </p:nvSpPr>
+        <p:spPr>
+          <a:xfrm>
+            <a:off x="3884613" y="0"/>
+            <a:ext cx="2971800" cy="458788"/>
+          </a:xfrm>
+          <a:prstGeom prst="rect">
+            <a:avLst/>
+          </a:prstGeom>
+        </p:spPr>
+        <p:txBody>
+          <a:bodyPr vert="horz" lIns="91440" tIns="45720" rIns="91440" bIns="45720" rtlCol="0"/>
+          <a:lstStyle>
+            <a:lvl1pPr algn="r">
+              <a:defRPr sz="1200"/>
+            </a:lvl1pPr>
+          </a:lstStyle>
+          <a:p>
+            <a:fld id="{0BED0E82-3658-4CCB-812D-34EB7FD7BA4A}" type="datetimeFigureOut">
+              <a:rPr lang="ko-KR" altLang="en-US" smtClean="0"/>
+              <a:t>2021-02-01</a:t>
+            </a:fld>
+            <a:endParaRPr lang="ko-KR" altLang="en-US"/>
+          </a:p>
+        </p:txBody>
+      </p:sp>
+      <p:sp>
+        <p:nvSpPr>
+          <p:cNvPr id="4" name="슬라이드 이미지 개체 틀 3"/>
+          <p:cNvSpPr>
+            <a:spLocks noGrp="1" noRot="1" noChangeAspect="1"/>
+          </p:cNvSpPr>
+          <p:nvPr>
+            <p:ph type="sldImg" idx="2"/>
+          </p:nvPr>
+        </p:nvSpPr>
+        <p:spPr>
+          <a:xfrm>
+            <a:off x="685800" y="1143000"/>
+            <a:ext cx="5486400" cy="3086100"/>
+          </a:xfrm>
+          <a:prstGeom prst="rect">
+            <a:avLst/>
+          </a:prstGeom>
+          <a:noFill/>
+          <a:ln w="12700">
+            <a:solidFill>
+              <a:prstClr val="black"/>
+            </a:solidFill>
+          </a:ln>
+        </p:spPr>
+        <p:txBody>
+          <a:bodyPr vert="horz" lIns="91440" tIns="45720" rIns="91440" bIns="45720" rtlCol="0" anchor="ctr"/>
+          <a:lstStyle/>
+          <a:p>
+            <a:endParaRPr lang="ko-KR" altLang="en-US"/>
+          </a:p>
+        </p:txBody>
+      </p:sp>
+      <p:sp>
+        <p:nvSpPr>
+          <p:cNvPr id="5" name="슬라이드 노트 개체 틀 4"/>
+          <p:cNvSpPr>
+            <a:spLocks noGrp="1"/>
+          </p:cNvSpPr>
+          <p:nvPr>
+            <p:ph type="body" sz="quarter" idx="3"/>
+          </p:nvPr>
+        </p:nvSpPr>
+        <p:spPr>
+          <a:xfrm>
+            <a:off x="685800" y="4400550"/>
+            <a:ext cx="5486400" cy="3600450"/>
+          </a:xfrm>
+          <a:prstGeom prst="rect">
+            <a:avLst/>
+          </a:prstGeom>
+        </p:spPr>
+        <p:txBody>
+          <a:bodyPr vert="horz" lIns="91440" tIns="45720" rIns="91440" bIns="45720" rtlCol="0"/>
+          <a:lstStyle/>
+          <a:p>
+            <a:pPr lvl="0"/>
+            <a:r>
+              <a:rPr lang="ko-KR" altLang="en-US"/>
+              <a:t>마스터 텍스트 스타일을 편집하려면 클릭</a:t>
+            </a:r>
+          </a:p>
+          <a:p>
+            <a:pPr lvl="1"/>
+            <a:r>
+              <a:rPr lang="ko-KR" altLang="en-US"/>
+              <a:t>두 번째 수준</a:t>
+            </a:r>
+          </a:p>
+          <a:p>
+            <a:pPr lvl="2"/>
+            <a:r>
+              <a:rPr lang="ko-KR" altLang="en-US"/>
+              <a:t>세 번째 수준</a:t>
+            </a:r>
+          </a:p>
+          <a:p>
+            <a:pPr lvl="3"/>
+            <a:r>
+              <a:rPr lang="ko-KR" altLang="en-US"/>
+              <a:t>네 번째 수준</a:t>
+            </a:r>
+          </a:p>
+          <a:p>
+            <a:pPr lvl="4"/>
+            <a:r>
+              <a:rPr lang="ko-KR" altLang="en-US"/>
+              <a:t>다섯 번째 수준</a:t>
+            </a:r>
+          </a:p>
+        </p:txBody>
+      </p:sp>
+      <p:sp>
+        <p:nvSpPr>
+          <p:cNvPr id="6" name="바닥글 개체 틀 5"/>
+          <p:cNvSpPr>
+            <a:spLocks noGrp="1"/>
+          </p:cNvSpPr>
+          <p:nvPr>
+            <p:ph type="ftr" sz="quarter" idx="4"/>
+          </p:nvPr>
+        </p:nvSpPr>
+        <p:spPr>
+          <a:xfrm>
+            <a:off x="0" y="8685213"/>
+            <a:ext cx="2971800" cy="458787"/>
+          </a:xfrm>
+          <a:prstGeom prst="rect">
+            <a:avLst/>
+          </a:prstGeom>
+        </p:spPr>
+        <p:txBody>
+          <a:bodyPr vert="horz" lIns="91440" tIns="45720" rIns="91440" bIns="45720" rtlCol="0" anchor="b"/>
+          <a:lstStyle>
+            <a:lvl1pPr algn="l">
+              <a:defRPr sz="1200"/>
+            </a:lvl1pPr>
+          </a:lstStyle>
+          <a:p>
+            <a:endParaRPr lang="ko-KR" altLang="en-US"/>
+          </a:p>
+        </p:txBody>
+      </p:sp>
+      <p:sp>
+        <p:nvSpPr>
+          <p:cNvPr id="7" name="슬라이드 번호 개체 틀 6"/>
+          <p:cNvSpPr>
+            <a:spLocks noGrp="1"/>
+          </p:cNvSpPr>
+          <p:nvPr>
+            <p:ph type="sldNum" sz="quarter" idx="5"/>
+          </p:nvPr>
+        </p:nvSpPr>
+        <p:spPr>
+          <a:xfrm>
+            <a:off x="3884613" y="8685213"/>
+            <a:ext cx="2971800" cy="458787"/>
+          </a:xfrm>
+          <a:prstGeom prst="rect">
+            <a:avLst/>
+          </a:prstGeom>
+        </p:spPr>
+        <p:txBody>
+          <a:bodyPr vert="horz" lIns="91440" tIns="45720" rIns="91440" bIns="45720" rtlCol="0" anchor="b"/>
+          <a:lstStyle>
+            <a:lvl1pPr algn="r">
+              <a:defRPr sz="1200"/>
+            </a:lvl1pPr>
+          </a:lstStyle>
+          <a:p>
+            <a:fld id="{B1AFCC18-3543-4A4A-AAFC-77964DEC7B13}" type="slidenum">
+              <a:rPr lang="ko-KR" altLang="en-US" smtClean="0"/>
+              <a:t>‹#›</a:t>
+            </a:fld>
+            <a:endParaRPr lang="ko-KR" altLang="en-US"/>
+          </a:p>
+        </p:txBody>
+      </p:sp>
+    </p:spTree>
+    <p:extLst>
+      <p:ext uri="{BB962C8B-B14F-4D97-AF65-F5344CB8AC3E}">
+        <p14:creationId xmlns:p14="http://schemas.microsoft.com/office/powerpoint/2010/main" val="2593488063"/>
+      </p:ext>
+    </p:extLst>
+  </p:cSld>
+  <p:clrMap bg1="lt1" tx1="dk1" bg2="lt2" tx2="dk2" accent1="accent1" accent2="accent2" accent3="accent3" accent4="accent4" accent5="accent5" accent6="accent6" hlink="hlink" folHlink="folHlink"/>
+  <p:notesStyle>
+    <a:lvl1pPr marL="0" algn="l" defTabSz="914400" rtl="0" eaLnBrk="1" latinLnBrk="1" hangingPunct="1">
+      <a:defRPr sz="1200" kern="1200">
+        <a:solidFill>
+          <a:schemeClr val="tx1"/>
+        </a:solidFill>
+        <a:latin typeface="+mn-lt"/>
+        <a:ea typeface="+mn-ea"/>
+        <a:cs typeface="+mn-cs"/>
+      </a:defRPr>
+    </a:lvl1pPr>
+    <a:lvl2pPr marL="457200" algn="l" defTabSz="914400" rtl="0" eaLnBrk="1" latinLnBrk="1" hangingPunct="1">
+      <a:defRPr sz="1200" kern="1200">
+        <a:solidFill>
+          <a:schemeClr val="tx1"/>
+        </a:solidFill>
+        <a:latin typeface="+mn-lt"/>
+        <a:ea typeface="+mn-ea"/>
+        <a:cs typeface="+mn-cs"/>
+      </a:defRPr>
+    </a:lvl2pPr>
+    <a:lvl3pPr marL="914400" algn="l" defTabSz="914400" rtl="0" eaLnBrk="1" latinLnBrk="1" hangingPunct="1">
+      <a:defRPr sz="1200" kern="1200">
+        <a:solidFill>
+          <a:schemeClr val="tx1"/>
+        </a:solidFill>
+        <a:latin typeface="+mn-lt"/>
+        <a:ea typeface="+mn-ea"/>
+        <a:cs typeface="+mn-cs"/>
+      </a:defRPr>
+    </a:lvl3pPr>
+    <a:lvl4pPr marL="1371600" algn="l" defTabSz="914400" rtl="0" eaLnBrk="1" latinLnBrk="1" hangingPunct="1">
+      <a:defRPr sz="1200" kern="1200">
+        <a:solidFill>
+          <a:schemeClr val="tx1"/>
+        </a:solidFill>
+        <a:latin typeface="+mn-lt"/>
+        <a:ea typeface="+mn-ea"/>
+        <a:cs typeface="+mn-cs"/>
+      </a:defRPr>
+    </a:lvl4pPr>
+    <a:lvl5pPr marL="1828800" algn="l" defTabSz="914400" rtl="0" eaLnBrk="1" latinLnBrk="1" hangingPunct="1">
+      <a:defRPr sz="1200" kern="1200">
+        <a:solidFill>
+          <a:schemeClr val="tx1"/>
+        </a:solidFill>
+        <a:latin typeface="+mn-lt"/>
+        <a:ea typeface="+mn-ea"/>
+        <a:cs typeface="+mn-cs"/>
+      </a:defRPr>
+    </a:lvl5pPr>
+    <a:lvl6pPr marL="2286000" algn="l" defTabSz="914400" rtl="0" eaLnBrk="1" latinLnBrk="1" hangingPunct="1">
+      <a:defRPr sz="1200" kern="1200">
+        <a:solidFill>
+          <a:schemeClr val="tx1"/>
+        </a:solidFill>
+        <a:latin typeface="+mn-lt"/>
+        <a:ea typeface="+mn-ea"/>
+        <a:cs typeface="+mn-cs"/>
+      </a:defRPr>
+    </a:lvl6pPr>
+    <a:lvl7pPr marL="2743200" algn="l" defTabSz="914400" rtl="0" eaLnBrk="1" latinLnBrk="1" hangingPunct="1">
+      <a:defRPr sz="1200" kern="1200">
+        <a:solidFill>
+          <a:schemeClr val="tx1"/>
+        </a:solidFill>
+        <a:latin typeface="+mn-lt"/>
+        <a:ea typeface="+mn-ea"/>
+        <a:cs typeface="+mn-cs"/>
+      </a:defRPr>
+    </a:lvl7pPr>
+    <a:lvl8pPr marL="3200400" algn="l" defTabSz="914400" rtl="0" eaLnBrk="1" latinLnBrk="1" hangingPunct="1">
+      <a:defRPr sz="1200" kern="1200">
+        <a:solidFill>
+          <a:schemeClr val="tx1"/>
+        </a:solidFill>
+        <a:latin typeface="+mn-lt"/>
+        <a:ea typeface="+mn-ea"/>
+        <a:cs typeface="+mn-cs"/>
+      </a:defRPr>
+    </a:lvl8pPr>
+    <a:lvl9pPr marL="3657600" algn="l" defTabSz="914400" rtl="0" eaLnBrk="1" latinLnBrk="1" hangingPunct="1">
+      <a:defRPr sz="1200" kern="1200">
+        <a:solidFill>
+          <a:schemeClr val="tx1"/>
+        </a:solidFill>
+        <a:latin typeface="+mn-lt"/>
+        <a:ea typeface="+mn-ea"/>
+        <a:cs typeface="+mn-cs"/>
+      </a:defRPr>
+    </a:lvl9pPr>
+  </p:notesStyle>
+</p:notesMaster>
 </file>
 
 <file path=ppt/slideLayouts/slideLayout1.xml><?xml version="1.0" encoding="utf-8"?>
@@ -256,7 +617,7 @@
           <a:p>
             <a:fld id="{79B03FC2-6042-4981-9EF4-57916E0C0B4E}" type="datetimeFigureOut">
               <a:rPr lang="ko-KR" altLang="en-US" smtClean="0"/>
-              <a:t>2021-01-29</a:t>
+              <a:t>2021-02-01</a:t>
             </a:fld>
             <a:endParaRPr lang="ko-KR" altLang="en-US"/>
           </a:p>
@@ -454,7 +815,7 @@
           <a:p>
             <a:fld id="{79B03FC2-6042-4981-9EF4-57916E0C0B4E}" type="datetimeFigureOut">
               <a:rPr lang="ko-KR" altLang="en-US" smtClean="0"/>
-              <a:t>2021-01-29</a:t>
+              <a:t>2021-02-01</a:t>
             </a:fld>
             <a:endParaRPr lang="ko-KR" altLang="en-US"/>
           </a:p>
@@ -662,7 +1023,7 @@
           <a:p>
             <a:fld id="{79B03FC2-6042-4981-9EF4-57916E0C0B4E}" type="datetimeFigureOut">
               <a:rPr lang="ko-KR" altLang="en-US" smtClean="0"/>
-              <a:t>2021-01-29</a:t>
+              <a:t>2021-02-01</a:t>
             </a:fld>
             <a:endParaRPr lang="ko-KR" altLang="en-US"/>
           </a:p>
@@ -726,6 +1087,308 @@
     <p:extLst>
       <p:ext uri="{BB962C8B-B14F-4D97-AF65-F5344CB8AC3E}">
         <p14:creationId xmlns:p14="http://schemas.microsoft.com/office/powerpoint/2010/main" val="3659110189"/>
+      </p:ext>
+    </p:extLst>
+  </p:cSld>
+  <p:clrMapOvr>
+    <a:masterClrMapping/>
+  </p:clrMapOvr>
+</p:sldLayout>
+</file>
+
+<file path=ppt/slideLayouts/slideLayout12.xml><?xml version="1.0" encoding="utf-8"?>
+<p:sldLayout xmlns:a="http://schemas.openxmlformats.org/drawingml/2006/main" xmlns:r="http://schemas.openxmlformats.org/officeDocument/2006/relationships" xmlns:p="http://schemas.openxmlformats.org/presentationml/2006/main" preserve="1" userDrawn="1">
+  <p:cSld name="사용자 지정 레이아웃">
+    <p:spTree>
+      <p:nvGrpSpPr>
+        <p:cNvPr id="1" name=""/>
+        <p:cNvGrpSpPr/>
+        <p:nvPr/>
+      </p:nvGrpSpPr>
+      <p:grpSpPr>
+        <a:xfrm>
+          <a:off x="0" y="0"/>
+          <a:ext cx="0" cy="0"/>
+          <a:chOff x="0" y="0"/>
+          <a:chExt cx="0" cy="0"/>
+        </a:xfrm>
+      </p:grpSpPr>
+      <p:sp>
+        <p:nvSpPr>
+          <p:cNvPr id="2" name="제목 1">
+            <a:extLst>
+              <a:ext uri="{FF2B5EF4-FFF2-40B4-BE49-F238E27FC236}">
+                <a16:creationId xmlns:a16="http://schemas.microsoft.com/office/drawing/2014/main" id="{4C1FD46C-4EA4-4691-A144-A775EBB60065}"/>
+              </a:ext>
+            </a:extLst>
+          </p:cNvPr>
+          <p:cNvSpPr>
+            <a:spLocks noGrp="1"/>
+          </p:cNvSpPr>
+          <p:nvPr>
+            <p:ph type="title" hasCustomPrompt="1"/>
+          </p:nvPr>
+        </p:nvSpPr>
+        <p:spPr>
+          <a:xfrm>
+            <a:off x="838200" y="365125"/>
+            <a:ext cx="10515600" cy="365125"/>
+          </a:xfrm>
+        </p:spPr>
+        <p:txBody>
+          <a:bodyPr>
+            <a:noAutofit/>
+          </a:bodyPr>
+          <a:lstStyle>
+            <a:lvl1pPr>
+              <a:defRPr sz="2400"/>
+            </a:lvl1pPr>
+          </a:lstStyle>
+          <a:p>
+            <a:r>
+              <a:rPr lang="en-US" altLang="ko-KR" dirty="0"/>
+              <a:t>Master Title</a:t>
+            </a:r>
+            <a:endParaRPr lang="ko-KR" altLang="en-US" dirty="0"/>
+          </a:p>
+        </p:txBody>
+      </p:sp>
+      <p:sp>
+        <p:nvSpPr>
+          <p:cNvPr id="10" name="날짜 개체 틀 9">
+            <a:extLst>
+              <a:ext uri="{FF2B5EF4-FFF2-40B4-BE49-F238E27FC236}">
+                <a16:creationId xmlns:a16="http://schemas.microsoft.com/office/drawing/2014/main" id="{EF1143B5-5496-4CAA-A48F-50AF5E7300A5}"/>
+              </a:ext>
+            </a:extLst>
+          </p:cNvPr>
+          <p:cNvSpPr>
+            <a:spLocks noGrp="1"/>
+          </p:cNvSpPr>
+          <p:nvPr>
+            <p:ph type="dt" sz="half" idx="15"/>
+          </p:nvPr>
+        </p:nvSpPr>
+        <p:spPr/>
+        <p:txBody>
+          <a:bodyPr/>
+          <a:lstStyle/>
+          <a:p>
+            <a:fld id="{79B03FC2-6042-4981-9EF4-57916E0C0B4E}" type="datetimeFigureOut">
+              <a:rPr lang="ko-KR" altLang="en-US" smtClean="0"/>
+              <a:t>2021-02-01</a:t>
+            </a:fld>
+            <a:endParaRPr lang="ko-KR" altLang="en-US"/>
+          </a:p>
+        </p:txBody>
+      </p:sp>
+      <p:sp>
+        <p:nvSpPr>
+          <p:cNvPr id="11" name="바닥글 개체 틀 10">
+            <a:extLst>
+              <a:ext uri="{FF2B5EF4-FFF2-40B4-BE49-F238E27FC236}">
+                <a16:creationId xmlns:a16="http://schemas.microsoft.com/office/drawing/2014/main" id="{807D4FC3-E811-412A-BCC2-4837B2B9198D}"/>
+              </a:ext>
+            </a:extLst>
+          </p:cNvPr>
+          <p:cNvSpPr>
+            <a:spLocks noGrp="1"/>
+          </p:cNvSpPr>
+          <p:nvPr>
+            <p:ph type="ftr" sz="quarter" idx="16"/>
+          </p:nvPr>
+        </p:nvSpPr>
+        <p:spPr>
+          <a:xfrm>
+            <a:off x="3790951" y="6355558"/>
+            <a:ext cx="4362449" cy="365917"/>
+          </a:xfrm>
+        </p:spPr>
+        <p:txBody>
+          <a:bodyPr/>
+          <a:lstStyle/>
+          <a:p>
+            <a:endParaRPr lang="ko-KR" altLang="en-US" dirty="0"/>
+          </a:p>
+        </p:txBody>
+      </p:sp>
+      <p:sp>
+        <p:nvSpPr>
+          <p:cNvPr id="12" name="슬라이드 번호 개체 틀 11">
+            <a:extLst>
+              <a:ext uri="{FF2B5EF4-FFF2-40B4-BE49-F238E27FC236}">
+                <a16:creationId xmlns:a16="http://schemas.microsoft.com/office/drawing/2014/main" id="{C0539BEA-6E34-44E4-AD60-C2104D9936F9}"/>
+              </a:ext>
+            </a:extLst>
+          </p:cNvPr>
+          <p:cNvSpPr>
+            <a:spLocks noGrp="1"/>
+          </p:cNvSpPr>
+          <p:nvPr>
+            <p:ph type="sldNum" sz="quarter" idx="17"/>
+          </p:nvPr>
+        </p:nvSpPr>
+        <p:spPr>
+          <a:xfrm>
+            <a:off x="8401050" y="6356350"/>
+            <a:ext cx="2952750" cy="365125"/>
+          </a:xfrm>
+        </p:spPr>
+        <p:txBody>
+          <a:bodyPr/>
+          <a:lstStyle/>
+          <a:p>
+            <a:fld id="{3B76DEC1-EDC3-4D01-815B-290CA6AAD841}" type="slidenum">
+              <a:rPr lang="ko-KR" altLang="en-US" smtClean="0"/>
+              <a:t>‹#›</a:t>
+            </a:fld>
+            <a:endParaRPr lang="ko-KR" altLang="en-US"/>
+          </a:p>
+        </p:txBody>
+      </p:sp>
+      <p:sp>
+        <p:nvSpPr>
+          <p:cNvPr id="17" name="텍스트 개체 틀 16">
+            <a:extLst>
+              <a:ext uri="{FF2B5EF4-FFF2-40B4-BE49-F238E27FC236}">
+                <a16:creationId xmlns:a16="http://schemas.microsoft.com/office/drawing/2014/main" id="{C38B4833-1B8A-41D3-B5E3-4CFD885E4906}"/>
+              </a:ext>
+            </a:extLst>
+          </p:cNvPr>
+          <p:cNvSpPr>
+            <a:spLocks noGrp="1"/>
+          </p:cNvSpPr>
+          <p:nvPr>
+            <p:ph type="body" sz="quarter" idx="18" hasCustomPrompt="1"/>
+          </p:nvPr>
+        </p:nvSpPr>
+        <p:spPr>
+          <a:xfrm>
+            <a:off x="8401050" y="1621536"/>
+            <a:ext cx="2952750" cy="4390327"/>
+          </a:xfrm>
+        </p:spPr>
+        <p:txBody>
+          <a:bodyPr/>
+          <a:lstStyle>
+            <a:lvl1pPr>
+              <a:buFont typeface="Arial" panose="020B0604020202020204" pitchFamily="34" charset="0"/>
+              <a:buChar char="•"/>
+              <a:defRPr sz="1800"/>
+            </a:lvl1pPr>
+            <a:lvl2pPr>
+              <a:defRPr sz="1800"/>
+            </a:lvl2pPr>
+          </a:lstStyle>
+          <a:p>
+            <a:pPr lvl="0"/>
+            <a:r>
+              <a:rPr lang="en-US" altLang="ko-KR" dirty="0"/>
+              <a:t>description</a:t>
+            </a:r>
+            <a:endParaRPr lang="ko-KR" altLang="en-US" dirty="0"/>
+          </a:p>
+        </p:txBody>
+      </p:sp>
+      <p:sp>
+        <p:nvSpPr>
+          <p:cNvPr id="19" name="텍스트 개체 틀 18">
+            <a:extLst>
+              <a:ext uri="{FF2B5EF4-FFF2-40B4-BE49-F238E27FC236}">
+                <a16:creationId xmlns:a16="http://schemas.microsoft.com/office/drawing/2014/main" id="{2BA29885-7D79-412D-8FB2-1C139D9947DE}"/>
+              </a:ext>
+            </a:extLst>
+          </p:cNvPr>
+          <p:cNvSpPr>
+            <a:spLocks noGrp="1"/>
+          </p:cNvSpPr>
+          <p:nvPr>
+            <p:ph type="body" sz="quarter" idx="19" hasCustomPrompt="1"/>
+          </p:nvPr>
+        </p:nvSpPr>
+        <p:spPr>
+          <a:xfrm>
+            <a:off x="8401050" y="1073150"/>
+            <a:ext cx="2952750" cy="365125"/>
+          </a:xfrm>
+        </p:spPr>
+        <p:txBody>
+          <a:bodyPr>
+            <a:normAutofit/>
+          </a:bodyPr>
+          <a:lstStyle>
+            <a:lvl1pPr>
+              <a:defRPr sz="2000"/>
+            </a:lvl1pPr>
+          </a:lstStyle>
+          <a:p>
+            <a:pPr lvl="0"/>
+            <a:r>
+              <a:rPr lang="en-US" altLang="ko-KR" dirty="0"/>
+              <a:t>title</a:t>
+            </a:r>
+            <a:endParaRPr lang="ko-KR" altLang="en-US" dirty="0"/>
+          </a:p>
+        </p:txBody>
+      </p:sp>
+      <p:sp>
+        <p:nvSpPr>
+          <p:cNvPr id="3" name="직사각형 2">
+            <a:extLst>
+              <a:ext uri="{FF2B5EF4-FFF2-40B4-BE49-F238E27FC236}">
+                <a16:creationId xmlns:a16="http://schemas.microsoft.com/office/drawing/2014/main" id="{E8A36EF8-9625-4D87-989F-A66C65F295BD}"/>
+              </a:ext>
+            </a:extLst>
+          </p:cNvPr>
+          <p:cNvSpPr/>
+          <p:nvPr userDrawn="1"/>
+        </p:nvSpPr>
+        <p:spPr>
+          <a:xfrm>
+            <a:off x="838200" y="1073149"/>
+            <a:ext cx="7315200" cy="4938713"/>
+          </a:xfrm>
+          <a:prstGeom prst="rect">
+            <a:avLst/>
+          </a:prstGeom>
+          <a:solidFill>
+            <a:schemeClr val="bg1"/>
+          </a:solidFill>
+          <a:ln>
+            <a:solidFill>
+              <a:schemeClr val="tx1"/>
+            </a:solidFill>
+          </a:ln>
+        </p:spPr>
+        <p:style>
+          <a:lnRef idx="2">
+            <a:schemeClr val="accent1">
+              <a:shade val="50000"/>
+            </a:schemeClr>
+          </a:lnRef>
+          <a:fillRef idx="1">
+            <a:schemeClr val="accent1"/>
+          </a:fillRef>
+          <a:effectRef idx="0">
+            <a:schemeClr val="accent1"/>
+          </a:effectRef>
+          <a:fontRef idx="minor">
+            <a:schemeClr val="lt1"/>
+          </a:fontRef>
+        </p:style>
+        <p:txBody>
+          <a:bodyPr rtlCol="0" anchor="ctr"/>
+          <a:lstStyle/>
+          <a:p>
+            <a:pPr algn="ctr"/>
+            <a:endParaRPr lang="ko-KR" altLang="en-US"/>
+          </a:p>
+        </p:txBody>
+      </p:sp>
+    </p:spTree>
+    <p:extLst>
+      <p:ext uri="{BB962C8B-B14F-4D97-AF65-F5344CB8AC3E}">
+        <p14:creationId xmlns:p14="http://schemas.microsoft.com/office/powerpoint/2010/main" val="741842630"/>
       </p:ext>
     </p:extLst>
   </p:cSld>
@@ -860,7 +1523,7 @@
           <a:p>
             <a:fld id="{79B03FC2-6042-4981-9EF4-57916E0C0B4E}" type="datetimeFigureOut">
               <a:rPr lang="ko-KR" altLang="en-US" smtClean="0"/>
-              <a:t>2021-01-29</a:t>
+              <a:t>2021-02-01</a:t>
             </a:fld>
             <a:endParaRPr lang="ko-KR" altLang="en-US"/>
           </a:p>
@@ -1135,7 +1798,7 @@
           <a:p>
             <a:fld id="{79B03FC2-6042-4981-9EF4-57916E0C0B4E}" type="datetimeFigureOut">
               <a:rPr lang="ko-KR" altLang="en-US" smtClean="0"/>
-              <a:t>2021-01-29</a:t>
+              <a:t>2021-02-01</a:t>
             </a:fld>
             <a:endParaRPr lang="ko-KR" altLang="en-US"/>
           </a:p>
@@ -1400,7 +2063,7 @@
           <a:p>
             <a:fld id="{79B03FC2-6042-4981-9EF4-57916E0C0B4E}" type="datetimeFigureOut">
               <a:rPr lang="ko-KR" altLang="en-US" smtClean="0"/>
-              <a:t>2021-01-29</a:t>
+              <a:t>2021-02-01</a:t>
             </a:fld>
             <a:endParaRPr lang="ko-KR" altLang="en-US"/>
           </a:p>
@@ -1812,7 +2475,7 @@
           <a:p>
             <a:fld id="{79B03FC2-6042-4981-9EF4-57916E0C0B4E}" type="datetimeFigureOut">
               <a:rPr lang="ko-KR" altLang="en-US" smtClean="0"/>
-              <a:t>2021-01-29</a:t>
+              <a:t>2021-02-01</a:t>
             </a:fld>
             <a:endParaRPr lang="ko-KR" altLang="en-US"/>
           </a:p>
@@ -1953,7 +2616,7 @@
           <a:p>
             <a:fld id="{79B03FC2-6042-4981-9EF4-57916E0C0B4E}" type="datetimeFigureOut">
               <a:rPr lang="ko-KR" altLang="en-US" smtClean="0"/>
-              <a:t>2021-01-29</a:t>
+              <a:t>2021-02-01</a:t>
             </a:fld>
             <a:endParaRPr lang="ko-KR" altLang="en-US"/>
           </a:p>
@@ -2066,7 +2729,7 @@
           <a:p>
             <a:fld id="{79B03FC2-6042-4981-9EF4-57916E0C0B4E}" type="datetimeFigureOut">
               <a:rPr lang="ko-KR" altLang="en-US" smtClean="0"/>
-              <a:t>2021-01-29</a:t>
+              <a:t>2021-02-01</a:t>
             </a:fld>
             <a:endParaRPr lang="ko-KR" altLang="en-US"/>
           </a:p>
@@ -2377,7 +3040,7 @@
           <a:p>
             <a:fld id="{79B03FC2-6042-4981-9EF4-57916E0C0B4E}" type="datetimeFigureOut">
               <a:rPr lang="ko-KR" altLang="en-US" smtClean="0"/>
-              <a:t>2021-01-29</a:t>
+              <a:t>2021-02-01</a:t>
             </a:fld>
             <a:endParaRPr lang="ko-KR" altLang="en-US"/>
           </a:p>
@@ -2665,7 +3328,7 @@
           <a:p>
             <a:fld id="{79B03FC2-6042-4981-9EF4-57916E0C0B4E}" type="datetimeFigureOut">
               <a:rPr lang="ko-KR" altLang="en-US" smtClean="0"/>
-              <a:t>2021-01-29</a:t>
+              <a:t>2021-02-01</a:t>
             </a:fld>
             <a:endParaRPr lang="ko-KR" altLang="en-US"/>
           </a:p>
@@ -2906,7 +3569,7 @@
           <a:p>
             <a:fld id="{79B03FC2-6042-4981-9EF4-57916E0C0B4E}" type="datetimeFigureOut">
               <a:rPr lang="ko-KR" altLang="en-US" smtClean="0"/>
-              <a:t>2021-01-29</a:t>
+              <a:t>2021-02-01</a:t>
             </a:fld>
             <a:endParaRPr lang="ko-KR" altLang="en-US"/>
           </a:p>
@@ -3022,6 +3685,7 @@
     <p:sldLayoutId id="2147483657" r:id="rId9"/>
     <p:sldLayoutId id="2147483658" r:id="rId10"/>
     <p:sldLayoutId id="2147483659" r:id="rId11"/>
+    <p:sldLayoutId id="2147483660" r:id="rId12"/>
   </p:sldLayoutIdLst>
   <p:txStyles>
     <p:titleStyle>
@@ -3766,7 +4430,7 @@
           <p:cNvPr id="2" name="제목 1">
             <a:extLst>
               <a:ext uri="{FF2B5EF4-FFF2-40B4-BE49-F238E27FC236}">
-                <a16:creationId xmlns:a16="http://schemas.microsoft.com/office/drawing/2014/main" id="{D5F1D0BD-390D-44DF-83FB-DAC446C06B5F}"/>
+                <a16:creationId xmlns:a16="http://schemas.microsoft.com/office/drawing/2014/main" id="{5DE60FB9-3880-497A-9213-AE46C4D79756}"/>
               </a:ext>
             </a:extLst>
           </p:cNvPr>
@@ -3777,12 +4441,22 @@
             <p:ph type="title"/>
           </p:nvPr>
         </p:nvSpPr>
-        <p:spPr/>
-        <p:txBody>
-          <a:bodyPr/>
-          <a:lstStyle/>
-          <a:p>
-            <a:endParaRPr lang="ko-KR" altLang="en-US" dirty="0"/>
+        <p:spPr>
+          <a:xfrm>
+            <a:off x="838200" y="365125"/>
+            <a:ext cx="10515600" cy="573659"/>
+          </a:xfrm>
+        </p:spPr>
+        <p:txBody>
+          <a:bodyPr>
+            <a:noAutofit/>
+          </a:bodyPr>
+          <a:lstStyle/>
+          <a:p>
+            <a:r>
+              <a:rPr lang="ko-KR" altLang="en-US" sz="2400" dirty="0"/>
+              <a:t>목차</a:t>
+            </a:r>
           </a:p>
         </p:txBody>
       </p:sp>
@@ -3791,7 +4465,7 @@
           <p:cNvPr id="3" name="내용 개체 틀 2">
             <a:extLst>
               <a:ext uri="{FF2B5EF4-FFF2-40B4-BE49-F238E27FC236}">
-                <a16:creationId xmlns:a16="http://schemas.microsoft.com/office/drawing/2014/main" id="{DEA99643-A015-4054-860B-C779B5E307C3}"/>
+                <a16:creationId xmlns:a16="http://schemas.microsoft.com/office/drawing/2014/main" id="{BC3C12B2-1F92-4E5F-9865-063DC47EEB05}"/>
               </a:ext>
             </a:extLst>
           </p:cNvPr>
@@ -3802,44 +4476,208 @@
             <p:ph idx="1"/>
           </p:nvPr>
         </p:nvSpPr>
-        <p:spPr/>
-        <p:txBody>
-          <a:bodyPr/>
-          <a:lstStyle/>
-          <a:p>
-            <a:endParaRPr lang="ko-KR" altLang="en-US" dirty="0"/>
-          </a:p>
-        </p:txBody>
-      </p:sp>
-      <p:sp>
-        <p:nvSpPr>
-          <p:cNvPr id="4" name="텍스트 개체 틀 3">
-            <a:extLst>
-              <a:ext uri="{FF2B5EF4-FFF2-40B4-BE49-F238E27FC236}">
-                <a16:creationId xmlns:a16="http://schemas.microsoft.com/office/drawing/2014/main" id="{668FB9A1-46C3-4ADC-9C63-7D56ACF5A648}"/>
-              </a:ext>
-            </a:extLst>
-          </p:cNvPr>
-          <p:cNvSpPr>
-            <a:spLocks noGrp="1"/>
-          </p:cNvSpPr>
-          <p:nvPr>
-            <p:ph type="body" sz="half" idx="2"/>
-          </p:nvPr>
-        </p:nvSpPr>
-        <p:spPr/>
-        <p:txBody>
-          <a:bodyPr/>
-          <a:lstStyle/>
-          <a:p>
-            <a:endParaRPr lang="ko-KR" altLang="en-US"/>
+        <p:spPr>
+          <a:xfrm>
+            <a:off x="838200" y="1085088"/>
+            <a:ext cx="10515600" cy="5091875"/>
+          </a:xfrm>
+        </p:spPr>
+        <p:txBody>
+          <a:bodyPr>
+            <a:normAutofit/>
+          </a:bodyPr>
+          <a:lstStyle/>
+          <a:p>
+            <a:pPr marL="514350" indent="-514350">
+              <a:buAutoNum type="arabicPeriod"/>
+            </a:pPr>
+            <a:r>
+              <a:rPr lang="ko-KR" altLang="en-US" sz="2000" dirty="0" err="1"/>
+              <a:t>메인화면</a:t>
+            </a:r>
+            <a:endParaRPr lang="en-US" altLang="ko-KR" sz="2000" dirty="0"/>
+          </a:p>
+          <a:p>
+            <a:pPr marL="514350" indent="-514350">
+              <a:buAutoNum type="arabicPeriod"/>
+            </a:pPr>
+            <a:r>
+              <a:rPr lang="ko-KR" altLang="en-US" sz="2000" dirty="0"/>
+              <a:t>기상서비스별 일주일 예보</a:t>
+            </a:r>
+            <a:endParaRPr lang="en-US" altLang="ko-KR" sz="2000" dirty="0"/>
+          </a:p>
+          <a:p>
+            <a:pPr marL="514350" indent="-514350">
+              <a:buAutoNum type="arabicPeriod"/>
+            </a:pPr>
+            <a:endParaRPr lang="ko-KR" altLang="en-US" sz="2000" dirty="0"/>
           </a:p>
         </p:txBody>
       </p:sp>
     </p:spTree>
     <p:extLst>
       <p:ext uri="{BB962C8B-B14F-4D97-AF65-F5344CB8AC3E}">
-        <p14:creationId xmlns:p14="http://schemas.microsoft.com/office/powerpoint/2010/main" val="1232021747"/>
+        <p14:creationId xmlns:p14="http://schemas.microsoft.com/office/powerpoint/2010/main" val="4264554261"/>
+      </p:ext>
+    </p:extLst>
+  </p:cSld>
+  <p:clrMapOvr>
+    <a:masterClrMapping/>
+  </p:clrMapOvr>
+</p:sld>
+</file>
+
+<file path=ppt/slides/slide4.xml><?xml version="1.0" encoding="utf-8"?>
+<p:sld xmlns:a="http://schemas.openxmlformats.org/drawingml/2006/main" xmlns:r="http://schemas.openxmlformats.org/officeDocument/2006/relationships" xmlns:p="http://schemas.openxmlformats.org/presentationml/2006/main">
+  <p:cSld>
+    <p:spTree>
+      <p:nvGrpSpPr>
+        <p:cNvPr id="1" name=""/>
+        <p:cNvGrpSpPr/>
+        <p:nvPr/>
+      </p:nvGrpSpPr>
+      <p:grpSpPr>
+        <a:xfrm>
+          <a:off x="0" y="0"/>
+          <a:ext cx="0" cy="0"/>
+          <a:chOff x="0" y="0"/>
+          <a:chExt cx="0" cy="0"/>
+        </a:xfrm>
+      </p:grpSpPr>
+      <p:sp>
+        <p:nvSpPr>
+          <p:cNvPr id="2" name="제목 1">
+            <a:extLst>
+              <a:ext uri="{FF2B5EF4-FFF2-40B4-BE49-F238E27FC236}">
+                <a16:creationId xmlns:a16="http://schemas.microsoft.com/office/drawing/2014/main" id="{31098EBF-3882-4D0B-B12F-455F2D17BEA6}"/>
+              </a:ext>
+            </a:extLst>
+          </p:cNvPr>
+          <p:cNvSpPr>
+            <a:spLocks noGrp="1"/>
+          </p:cNvSpPr>
+          <p:nvPr>
+            <p:ph type="title"/>
+          </p:nvPr>
+        </p:nvSpPr>
+        <p:spPr/>
+        <p:txBody>
+          <a:bodyPr/>
+          <a:lstStyle/>
+          <a:p>
+            <a:endParaRPr lang="ko-KR" altLang="en-US"/>
+          </a:p>
+        </p:txBody>
+      </p:sp>
+      <p:sp>
+        <p:nvSpPr>
+          <p:cNvPr id="3" name="텍스트 개체 틀 2">
+            <a:extLst>
+              <a:ext uri="{FF2B5EF4-FFF2-40B4-BE49-F238E27FC236}">
+                <a16:creationId xmlns:a16="http://schemas.microsoft.com/office/drawing/2014/main" id="{2D3CECCD-0875-4E71-8EC3-5BE71374C1ED}"/>
+              </a:ext>
+            </a:extLst>
+          </p:cNvPr>
+          <p:cNvSpPr>
+            <a:spLocks noGrp="1"/>
+          </p:cNvSpPr>
+          <p:nvPr>
+            <p:ph type="body" sz="quarter" idx="18"/>
+          </p:nvPr>
+        </p:nvSpPr>
+        <p:spPr/>
+        <p:txBody>
+          <a:bodyPr/>
+          <a:lstStyle/>
+          <a:p>
+            <a:endParaRPr lang="ko-KR" altLang="en-US"/>
+          </a:p>
+        </p:txBody>
+      </p:sp>
+      <p:sp>
+        <p:nvSpPr>
+          <p:cNvPr id="4" name="텍스트 개체 틀 3">
+            <a:extLst>
+              <a:ext uri="{FF2B5EF4-FFF2-40B4-BE49-F238E27FC236}">
+                <a16:creationId xmlns:a16="http://schemas.microsoft.com/office/drawing/2014/main" id="{A90FBA44-2C12-4B53-B5AE-AEE145BBF2D8}"/>
+              </a:ext>
+            </a:extLst>
+          </p:cNvPr>
+          <p:cNvSpPr>
+            <a:spLocks noGrp="1"/>
+          </p:cNvSpPr>
+          <p:nvPr>
+            <p:ph type="body" sz="quarter" idx="19"/>
+          </p:nvPr>
+        </p:nvSpPr>
+        <p:spPr/>
+        <p:txBody>
+          <a:bodyPr/>
+          <a:lstStyle/>
+          <a:p>
+            <a:endParaRPr lang="ko-KR" altLang="en-US"/>
+          </a:p>
+        </p:txBody>
+      </p:sp>
+      <p:sp>
+        <p:nvSpPr>
+          <p:cNvPr id="5" name="직사각형 4">
+            <a:extLst>
+              <a:ext uri="{FF2B5EF4-FFF2-40B4-BE49-F238E27FC236}">
+                <a16:creationId xmlns:a16="http://schemas.microsoft.com/office/drawing/2014/main" id="{FAF5D5F7-4980-43B0-B7B1-4FFE88BDE767}"/>
+              </a:ext>
+            </a:extLst>
+          </p:cNvPr>
+          <p:cNvSpPr/>
+          <p:nvPr/>
+        </p:nvSpPr>
+        <p:spPr>
+          <a:xfrm>
+            <a:off x="2468880" y="1073150"/>
+            <a:ext cx="4460240" cy="4938713"/>
+          </a:xfrm>
+          <a:prstGeom prst="rect">
+            <a:avLst/>
+          </a:prstGeom>
+          <a:solidFill>
+            <a:schemeClr val="bg2"/>
+          </a:solidFill>
+          <a:ln>
+            <a:solidFill>
+              <a:schemeClr val="bg2"/>
+            </a:solidFill>
+          </a:ln>
+        </p:spPr>
+        <p:style>
+          <a:lnRef idx="2">
+            <a:schemeClr val="accent1">
+              <a:shade val="50000"/>
+            </a:schemeClr>
+          </a:lnRef>
+          <a:fillRef idx="1">
+            <a:schemeClr val="accent1"/>
+          </a:fillRef>
+          <a:effectRef idx="0">
+            <a:schemeClr val="accent1"/>
+          </a:effectRef>
+          <a:fontRef idx="minor">
+            <a:schemeClr val="lt1"/>
+          </a:fontRef>
+        </p:style>
+        <p:txBody>
+          <a:bodyPr rtlCol="0" anchor="ctr"/>
+          <a:lstStyle/>
+          <a:p>
+            <a:pPr algn="ctr"/>
+            <a:endParaRPr lang="ko-KR" altLang="en-US"/>
+          </a:p>
+        </p:txBody>
+      </p:sp>
+    </p:spTree>
+    <p:extLst>
+      <p:ext uri="{BB962C8B-B14F-4D97-AF65-F5344CB8AC3E}">
+        <p14:creationId xmlns:p14="http://schemas.microsoft.com/office/powerpoint/2010/main" val="217887846"/>
       </p:ext>
     </p:extLst>
   </p:cSld>
@@ -4142,4 +4980,299 @@
     </a:ext>
   </a:extLst>
 </a:theme>
+</file>
+
+<file path=ppt/theme/theme2.xml><?xml version="1.0" encoding="utf-8"?>
+<a:theme xmlns:a="http://schemas.openxmlformats.org/drawingml/2006/main" name="Office 테마">
+  <a:themeElements>
+    <a:clrScheme name="Office">
+      <a:dk1>
+        <a:sysClr val="windowText" lastClr="000000"/>
+      </a:dk1>
+      <a:lt1>
+        <a:sysClr val="window" lastClr="FFFFFF"/>
+      </a:lt1>
+      <a:dk2>
+        <a:srgbClr val="44546A"/>
+      </a:dk2>
+      <a:lt2>
+        <a:srgbClr val="E7E6E6"/>
+      </a:lt2>
+      <a:accent1>
+        <a:srgbClr val="4472C4"/>
+      </a:accent1>
+      <a:accent2>
+        <a:srgbClr val="ED7D31"/>
+      </a:accent2>
+      <a:accent3>
+        <a:srgbClr val="A5A5A5"/>
+      </a:accent3>
+      <a:accent4>
+        <a:srgbClr val="FFC000"/>
+      </a:accent4>
+      <a:accent5>
+        <a:srgbClr val="5B9BD5"/>
+      </a:accent5>
+      <a:accent6>
+        <a:srgbClr val="70AD47"/>
+      </a:accent6>
+      <a:hlink>
+        <a:srgbClr val="0563C1"/>
+      </a:hlink>
+      <a:folHlink>
+        <a:srgbClr val="954F72"/>
+      </a:folHlink>
+    </a:clrScheme>
+    <a:fontScheme name="Office">
+      <a:majorFont>
+        <a:latin typeface="맑은 고딕" panose="020F0302020204030204"/>
+        <a:ea typeface=""/>
+        <a:cs typeface=""/>
+        <a:font script="Jpan" typeface="游ゴシック Light"/>
+        <a:font script="Hang" typeface="맑은 고딕"/>
+        <a:font script="Hans" typeface="等线 Light"/>
+        <a:font script="Hant" typeface="新細明體"/>
+        <a:font script="Arab" typeface="Times New Roman"/>
+        <a:font script="Hebr" typeface="Times New Roman"/>
+        <a:font script="Thai" typeface="Angsana New"/>
+        <a:font script="Ethi" typeface="Nyala"/>
+        <a:font script="Beng" typeface="Vrinda"/>
+        <a:font script="Gujr" typeface="Shruti"/>
+        <a:font script="Khmr" typeface="MoolBoran"/>
+        <a:font script="Knda" typeface="Tunga"/>
+        <a:font script="Guru" typeface="Raavi"/>
+        <a:font script="Cans" typeface="Euphemia"/>
+        <a:font script="Cher" typeface="Plantagenet Cherokee"/>
+        <a:font script="Yiii" typeface="Microsoft Yi Baiti"/>
+        <a:font script="Tibt" typeface="Microsoft Himalaya"/>
+        <a:font script="Thaa" typeface="MV Boli"/>
+        <a:font script="Deva" typeface="Mangal"/>
+        <a:font script="Telu" typeface="Gautami"/>
+        <a:font script="Taml" typeface="Latha"/>
+        <a:font script="Syrc" typeface="Estrangelo Edessa"/>
+        <a:font script="Orya" typeface="Kalinga"/>
+        <a:font script="Mlym" typeface="Kartika"/>
+        <a:font script="Laoo" typeface="DokChampa"/>
+        <a:font script="Sinh" typeface="Iskoola Pota"/>
+        <a:font script="Mong" typeface="Mongolian Baiti"/>
+        <a:font script="Viet" typeface="Times New Roman"/>
+        <a:font script="Uigh" typeface="Microsoft Uighur"/>
+        <a:font script="Geor" typeface="Sylfaen"/>
+        <a:font script="Armn" typeface="Arial"/>
+        <a:font script="Bugi" typeface="Leelawadee UI"/>
+        <a:font script="Bopo" typeface="Microsoft JhengHei"/>
+        <a:font script="Java" typeface="Javanese Text"/>
+        <a:font script="Lisu" typeface="Segoe UI"/>
+        <a:font script="Mymr" typeface="Myanmar Text"/>
+        <a:font script="Nkoo" typeface="Ebrima"/>
+        <a:font script="Olck" typeface="Nirmala UI"/>
+        <a:font script="Osma" typeface="Ebrima"/>
+        <a:font script="Phag" typeface="Phagspa"/>
+        <a:font script="Syrn" typeface="Estrangelo Edessa"/>
+        <a:font script="Syrj" typeface="Estrangelo Edessa"/>
+        <a:font script="Syre" typeface="Estrangelo Edessa"/>
+        <a:font script="Sora" typeface="Nirmala UI"/>
+        <a:font script="Tale" typeface="Microsoft Tai Le"/>
+        <a:font script="Talu" typeface="Microsoft New Tai Lue"/>
+        <a:font script="Tfng" typeface="Ebrima"/>
+      </a:majorFont>
+      <a:minorFont>
+        <a:latin typeface="맑은 고딕" panose="020F0502020204030204"/>
+        <a:ea typeface=""/>
+        <a:cs typeface=""/>
+        <a:font script="Jpan" typeface="游ゴシック"/>
+        <a:font script="Hang" typeface="맑은 고딕"/>
+        <a:font script="Hans" typeface="等线"/>
+        <a:font script="Hant" typeface="新細明體"/>
+        <a:font script="Arab" typeface="Arial"/>
+        <a:font script="Hebr" typeface="Arial"/>
+        <a:font script="Thai" typeface="Cordia New"/>
+        <a:font script="Ethi" typeface="Nyala"/>
+        <a:font script="Beng" typeface="Vrinda"/>
+        <a:font script="Gujr" typeface="Shruti"/>
+        <a:font script="Khmr" typeface="DaunPenh"/>
+        <a:font script="Knda" typeface="Tunga"/>
+        <a:font script="Guru" typeface="Raavi"/>
+        <a:font script="Cans" typeface="Euphemia"/>
+        <a:font script="Cher" typeface="Plantagenet Cherokee"/>
+        <a:font script="Yiii" typeface="Microsoft Yi Baiti"/>
+        <a:font script="Tibt" typeface="Microsoft Himalaya"/>
+        <a:font script="Thaa" typeface="MV Boli"/>
+        <a:font script="Deva" typeface="Mangal"/>
+        <a:font script="Telu" typeface="Gautami"/>
+        <a:font script="Taml" typeface="Latha"/>
+        <a:font script="Syrc" typeface="Estrangelo Edessa"/>
+        <a:font script="Orya" typeface="Kalinga"/>
+        <a:font script="Mlym" typeface="Kartika"/>
+        <a:font script="Laoo" typeface="DokChampa"/>
+        <a:font script="Sinh" typeface="Iskoola Pota"/>
+        <a:font script="Mong" typeface="Mongolian Baiti"/>
+        <a:font script="Viet" typeface="Arial"/>
+        <a:font script="Uigh" typeface="Microsoft Uighur"/>
+        <a:font script="Geor" typeface="Sylfaen"/>
+        <a:font script="Armn" typeface="Arial"/>
+        <a:font script="Bugi" typeface="Leelawadee UI"/>
+        <a:font script="Bopo" typeface="Microsoft JhengHei"/>
+        <a:font script="Java" typeface="Javanese Text"/>
+        <a:font script="Lisu" typeface="Segoe UI"/>
+        <a:font script="Mymr" typeface="Myanmar Text"/>
+        <a:font script="Nkoo" typeface="Ebrima"/>
+        <a:font script="Olck" typeface="Nirmala UI"/>
+        <a:font script="Osma" typeface="Ebrima"/>
+        <a:font script="Phag" typeface="Phagspa"/>
+        <a:font script="Syrn" typeface="Estrangelo Edessa"/>
+        <a:font script="Syrj" typeface="Estrangelo Edessa"/>
+        <a:font script="Syre" typeface="Estrangelo Edessa"/>
+        <a:font script="Sora" typeface="Nirmala UI"/>
+        <a:font script="Tale" typeface="Microsoft Tai Le"/>
+        <a:font script="Talu" typeface="Microsoft New Tai Lue"/>
+        <a:font script="Tfng" typeface="Ebrima"/>
+      </a:minorFont>
+    </a:fontScheme>
+    <a:fmtScheme name="Office">
+      <a:fillStyleLst>
+        <a:solidFill>
+          <a:schemeClr val="phClr"/>
+        </a:solidFill>
+        <a:gradFill rotWithShape="1">
+          <a:gsLst>
+            <a:gs pos="0">
+              <a:schemeClr val="phClr">
+                <a:lumMod val="110000"/>
+                <a:satMod val="105000"/>
+                <a:tint val="67000"/>
+              </a:schemeClr>
+            </a:gs>
+            <a:gs pos="50000">
+              <a:schemeClr val="phClr">
+                <a:lumMod val="105000"/>
+                <a:satMod val="103000"/>
+                <a:tint val="73000"/>
+              </a:schemeClr>
+            </a:gs>
+            <a:gs pos="100000">
+              <a:schemeClr val="phClr">
+                <a:lumMod val="105000"/>
+                <a:satMod val="109000"/>
+                <a:tint val="81000"/>
+              </a:schemeClr>
+            </a:gs>
+          </a:gsLst>
+          <a:lin ang="5400000" scaled="0"/>
+        </a:gradFill>
+        <a:gradFill rotWithShape="1">
+          <a:gsLst>
+            <a:gs pos="0">
+              <a:schemeClr val="phClr">
+                <a:satMod val="103000"/>
+                <a:lumMod val="102000"/>
+                <a:tint val="94000"/>
+              </a:schemeClr>
+            </a:gs>
+            <a:gs pos="50000">
+              <a:schemeClr val="phClr">
+                <a:satMod val="110000"/>
+                <a:lumMod val="100000"/>
+                <a:shade val="100000"/>
+              </a:schemeClr>
+            </a:gs>
+            <a:gs pos="100000">
+              <a:schemeClr val="phClr">
+                <a:lumMod val="99000"/>
+                <a:satMod val="120000"/>
+                <a:shade val="78000"/>
+              </a:schemeClr>
+            </a:gs>
+          </a:gsLst>
+          <a:lin ang="5400000" scaled="0"/>
+        </a:gradFill>
+      </a:fillStyleLst>
+      <a:lnStyleLst>
+        <a:ln w="6350" cap="flat" cmpd="sng" algn="ctr">
+          <a:solidFill>
+            <a:schemeClr val="phClr"/>
+          </a:solidFill>
+          <a:prstDash val="solid"/>
+          <a:miter lim="800000"/>
+        </a:ln>
+        <a:ln w="12700" cap="flat" cmpd="sng" algn="ctr">
+          <a:solidFill>
+            <a:schemeClr val="phClr"/>
+          </a:solidFill>
+          <a:prstDash val="solid"/>
+          <a:miter lim="800000"/>
+        </a:ln>
+        <a:ln w="19050" cap="flat" cmpd="sng" algn="ctr">
+          <a:solidFill>
+            <a:schemeClr val="phClr"/>
+          </a:solidFill>
+          <a:prstDash val="solid"/>
+          <a:miter lim="800000"/>
+        </a:ln>
+      </a:lnStyleLst>
+      <a:effectStyleLst>
+        <a:effectStyle>
+          <a:effectLst/>
+        </a:effectStyle>
+        <a:effectStyle>
+          <a:effectLst/>
+        </a:effectStyle>
+        <a:effectStyle>
+          <a:effectLst>
+            <a:outerShdw blurRad="57150" dist="19050" dir="5400000" algn="ctr" rotWithShape="0">
+              <a:srgbClr val="000000">
+                <a:alpha val="63000"/>
+              </a:srgbClr>
+            </a:outerShdw>
+          </a:effectLst>
+        </a:effectStyle>
+      </a:effectStyleLst>
+      <a:bgFillStyleLst>
+        <a:solidFill>
+          <a:schemeClr val="phClr"/>
+        </a:solidFill>
+        <a:solidFill>
+          <a:schemeClr val="phClr">
+            <a:tint val="95000"/>
+            <a:satMod val="170000"/>
+          </a:schemeClr>
+        </a:solidFill>
+        <a:gradFill rotWithShape="1">
+          <a:gsLst>
+            <a:gs pos="0">
+              <a:schemeClr val="phClr">
+                <a:tint val="93000"/>
+                <a:satMod val="150000"/>
+                <a:shade val="98000"/>
+                <a:lumMod val="102000"/>
+              </a:schemeClr>
+            </a:gs>
+            <a:gs pos="50000">
+              <a:schemeClr val="phClr">
+                <a:tint val="98000"/>
+                <a:satMod val="130000"/>
+                <a:shade val="90000"/>
+                <a:lumMod val="103000"/>
+              </a:schemeClr>
+            </a:gs>
+            <a:gs pos="100000">
+              <a:schemeClr val="phClr">
+                <a:shade val="63000"/>
+                <a:satMod val="120000"/>
+              </a:schemeClr>
+            </a:gs>
+          </a:gsLst>
+          <a:lin ang="5400000" scaled="0"/>
+        </a:gradFill>
+      </a:bgFillStyleLst>
+    </a:fmtScheme>
+  </a:themeElements>
+  <a:objectDefaults/>
+  <a:extraClrSchemeLst/>
+  <a:extLst>
+    <a:ext uri="{05A4C25C-085E-4340-85A3-A5531E510DB2}">
+      <thm15:themeFamily xmlns:thm15="http://schemas.microsoft.com/office/thememl/2012/main" name="Office Theme" id="{62F939B6-93AF-4DB8-9C6B-D6C7DFDC589F}" vid="{4A3C46E8-61CC-4603-A589-7422A47A8E4A}"/>
+    </a:ext>
+  </a:extLst>
+</a:theme>
 </file>
--- a/기능정의서.pptx
+++ b/기능정의서.pptx
@@ -5,13 +5,15 @@
     <p:sldMasterId id="2147483648" r:id="rId1"/>
   </p:sldMasterIdLst>
   <p:notesMasterIdLst>
-    <p:notesMasterId r:id="rId6"/>
+    <p:notesMasterId r:id="rId8"/>
   </p:notesMasterIdLst>
   <p:sldIdLst>
     <p:sldId id="256" r:id="rId2"/>
     <p:sldId id="258" r:id="rId3"/>
     <p:sldId id="260" r:id="rId4"/>
     <p:sldId id="261" r:id="rId5"/>
+    <p:sldId id="263" r:id="rId6"/>
+    <p:sldId id="264" r:id="rId7"/>
   </p:sldIdLst>
   <p:sldSz cx="12192000" cy="6858000"/>
   <p:notesSz cx="6858000" cy="9144000"/>
@@ -203,7 +205,7 @@
           <a:p>
             <a:fld id="{0BED0E82-3658-4CCB-812D-34EB7FD7BA4A}" type="datetimeFigureOut">
               <a:rPr lang="ko-KR" altLang="en-US" smtClean="0"/>
-              <a:t>2021-02-01</a:t>
+              <a:t>2021-02-02</a:t>
             </a:fld>
             <a:endParaRPr lang="ko-KR" altLang="en-US"/>
           </a:p>
@@ -617,7 +619,7 @@
           <a:p>
             <a:fld id="{79B03FC2-6042-4981-9EF4-57916E0C0B4E}" type="datetimeFigureOut">
               <a:rPr lang="ko-KR" altLang="en-US" smtClean="0"/>
-              <a:t>2021-02-01</a:t>
+              <a:t>2021-02-02</a:t>
             </a:fld>
             <a:endParaRPr lang="ko-KR" altLang="en-US"/>
           </a:p>
@@ -815,7 +817,7 @@
           <a:p>
             <a:fld id="{79B03FC2-6042-4981-9EF4-57916E0C0B4E}" type="datetimeFigureOut">
               <a:rPr lang="ko-KR" altLang="en-US" smtClean="0"/>
-              <a:t>2021-02-01</a:t>
+              <a:t>2021-02-02</a:t>
             </a:fld>
             <a:endParaRPr lang="ko-KR" altLang="en-US"/>
           </a:p>
@@ -1023,7 +1025,7 @@
           <a:p>
             <a:fld id="{79B03FC2-6042-4981-9EF4-57916E0C0B4E}" type="datetimeFigureOut">
               <a:rPr lang="ko-KR" altLang="en-US" smtClean="0"/>
-              <a:t>2021-02-01</a:t>
+              <a:t>2021-02-02</a:t>
             </a:fld>
             <a:endParaRPr lang="ko-KR" altLang="en-US"/>
           </a:p>
@@ -1176,7 +1178,7 @@
           <a:p>
             <a:fld id="{79B03FC2-6042-4981-9EF4-57916E0C0B4E}" type="datetimeFigureOut">
               <a:rPr lang="ko-KR" altLang="en-US" smtClean="0"/>
-              <a:t>2021-02-01</a:t>
+              <a:t>2021-02-02</a:t>
             </a:fld>
             <a:endParaRPr lang="ko-KR" altLang="en-US"/>
           </a:p>
@@ -1523,7 +1525,7 @@
           <a:p>
             <a:fld id="{79B03FC2-6042-4981-9EF4-57916E0C0B4E}" type="datetimeFigureOut">
               <a:rPr lang="ko-KR" altLang="en-US" smtClean="0"/>
-              <a:t>2021-02-01</a:t>
+              <a:t>2021-02-02</a:t>
             </a:fld>
             <a:endParaRPr lang="ko-KR" altLang="en-US"/>
           </a:p>
@@ -1798,7 +1800,7 @@
           <a:p>
             <a:fld id="{79B03FC2-6042-4981-9EF4-57916E0C0B4E}" type="datetimeFigureOut">
               <a:rPr lang="ko-KR" altLang="en-US" smtClean="0"/>
-              <a:t>2021-02-01</a:t>
+              <a:t>2021-02-02</a:t>
             </a:fld>
             <a:endParaRPr lang="ko-KR" altLang="en-US"/>
           </a:p>
@@ -2063,7 +2065,7 @@
           <a:p>
             <a:fld id="{79B03FC2-6042-4981-9EF4-57916E0C0B4E}" type="datetimeFigureOut">
               <a:rPr lang="ko-KR" altLang="en-US" smtClean="0"/>
-              <a:t>2021-02-01</a:t>
+              <a:t>2021-02-02</a:t>
             </a:fld>
             <a:endParaRPr lang="ko-KR" altLang="en-US"/>
           </a:p>
@@ -2475,7 +2477,7 @@
           <a:p>
             <a:fld id="{79B03FC2-6042-4981-9EF4-57916E0C0B4E}" type="datetimeFigureOut">
               <a:rPr lang="ko-KR" altLang="en-US" smtClean="0"/>
-              <a:t>2021-02-01</a:t>
+              <a:t>2021-02-02</a:t>
             </a:fld>
             <a:endParaRPr lang="ko-KR" altLang="en-US"/>
           </a:p>
@@ -2616,7 +2618,7 @@
           <a:p>
             <a:fld id="{79B03FC2-6042-4981-9EF4-57916E0C0B4E}" type="datetimeFigureOut">
               <a:rPr lang="ko-KR" altLang="en-US" smtClean="0"/>
-              <a:t>2021-02-01</a:t>
+              <a:t>2021-02-02</a:t>
             </a:fld>
             <a:endParaRPr lang="ko-KR" altLang="en-US"/>
           </a:p>
@@ -2729,7 +2731,7 @@
           <a:p>
             <a:fld id="{79B03FC2-6042-4981-9EF4-57916E0C0B4E}" type="datetimeFigureOut">
               <a:rPr lang="ko-KR" altLang="en-US" smtClean="0"/>
-              <a:t>2021-02-01</a:t>
+              <a:t>2021-02-02</a:t>
             </a:fld>
             <a:endParaRPr lang="ko-KR" altLang="en-US"/>
           </a:p>
@@ -3040,7 +3042,7 @@
           <a:p>
             <a:fld id="{79B03FC2-6042-4981-9EF4-57916E0C0B4E}" type="datetimeFigureOut">
               <a:rPr lang="ko-KR" altLang="en-US" smtClean="0"/>
-              <a:t>2021-02-01</a:t>
+              <a:t>2021-02-02</a:t>
             </a:fld>
             <a:endParaRPr lang="ko-KR" altLang="en-US"/>
           </a:p>
@@ -3328,7 +3330,7 @@
           <a:p>
             <a:fld id="{79B03FC2-6042-4981-9EF4-57916E0C0B4E}" type="datetimeFigureOut">
               <a:rPr lang="ko-KR" altLang="en-US" smtClean="0"/>
-              <a:t>2021-02-01</a:t>
+              <a:t>2021-02-02</a:t>
             </a:fld>
             <a:endParaRPr lang="ko-KR" altLang="en-US"/>
           </a:p>
@@ -3569,7 +3571,7 @@
           <a:p>
             <a:fld id="{79B03FC2-6042-4981-9EF4-57916E0C0B4E}" type="datetimeFigureOut">
               <a:rPr lang="ko-KR" altLang="en-US" smtClean="0"/>
-              <a:t>2021-02-01</a:t>
+              <a:t>2021-02-02</a:t>
             </a:fld>
             <a:endParaRPr lang="ko-KR" altLang="en-US"/>
           </a:p>
@@ -4133,7 +4135,7 @@
             <p:ph idx="1"/>
             <p:extLst>
               <p:ext uri="{D42A27DB-BD31-4B8C-83A1-F6EECF244321}">
-                <p14:modId xmlns:p14="http://schemas.microsoft.com/office/powerpoint/2010/main" val="4157925723"/>
+                <p14:modId xmlns:p14="http://schemas.microsoft.com/office/powerpoint/2010/main" val="199274555"/>
               </p:ext>
             </p:extLst>
           </p:nvPr>
@@ -4278,6 +4280,10 @@
                     <a:lstStyle/>
                     <a:p>
                       <a:pPr algn="ctr" latinLnBrk="1"/>
+                      <a:r>
+                        <a:rPr lang="en-US" altLang="ko-KR" dirty="0"/>
+                        <a:t>2021.02.02</a:t>
+                      </a:r>
                       <a:endParaRPr lang="ko-KR" altLang="en-US" dirty="0"/>
                     </a:p>
                   </a:txBody>
@@ -4289,6 +4295,10 @@
                     <a:lstStyle/>
                     <a:p>
                       <a:pPr algn="ctr" latinLnBrk="1"/>
+                      <a:r>
+                        <a:rPr lang="en-US" altLang="ko-KR" dirty="0"/>
+                        <a:t>1.1</a:t>
+                      </a:r>
                       <a:endParaRPr lang="ko-KR" altLang="en-US" dirty="0"/>
                     </a:p>
                   </a:txBody>
@@ -4300,6 +4310,22 @@
                     <a:lstStyle/>
                     <a:p>
                       <a:pPr latinLnBrk="1"/>
+                      <a:r>
+                        <a:rPr lang="ko-KR" altLang="en-US" dirty="0" err="1"/>
+                        <a:t>메인화면</a:t>
+                      </a:r>
+                      <a:r>
+                        <a:rPr lang="en-US" altLang="ko-KR" dirty="0"/>
+                        <a:t>, </a:t>
+                      </a:r>
+                      <a:r>
+                        <a:rPr lang="ko-KR" altLang="en-US" dirty="0"/>
+                        <a:t>당일 기상정보 디테일 </a:t>
+                      </a:r>
+                      <a:r>
+                        <a:rPr lang="ko-KR" altLang="en-US"/>
+                        <a:t>화면 기능 구성</a:t>
+                      </a:r>
                       <a:endParaRPr lang="ko-KR" altLang="en-US" dirty="0"/>
                     </a:p>
                   </a:txBody>
@@ -4566,7 +4592,10 @@
           <a:bodyPr/>
           <a:lstStyle/>
           <a:p>
-            <a:endParaRPr lang="ko-KR" altLang="en-US"/>
+            <a:r>
+              <a:rPr lang="ko-KR" altLang="en-US" sz="2000" dirty="0"/>
+              <a:t>기상정보</a:t>
+            </a:r>
           </a:p>
         </p:txBody>
       </p:sp>
@@ -4588,10 +4617,581 @@
         </p:nvSpPr>
         <p:spPr/>
         <p:txBody>
-          <a:bodyPr/>
-          <a:lstStyle/>
-          <a:p>
-            <a:endParaRPr lang="ko-KR" altLang="en-US"/>
+          <a:bodyPr>
+            <a:normAutofit/>
+          </a:bodyPr>
+          <a:lstStyle/>
+          <a:p>
+            <a:pPr marL="342900" indent="-342900">
+              <a:lnSpc>
+                <a:spcPct val="100000"/>
+              </a:lnSpc>
+              <a:buFont typeface="+mj-lt"/>
+              <a:buAutoNum type="arabicPeriod"/>
+            </a:pPr>
+            <a:r>
+              <a:rPr lang="ko-KR" altLang="en-US" sz="1100" dirty="0"/>
+              <a:t>사이트</a:t>
+            </a:r>
+            <a:r>
+              <a:rPr lang="en-US" altLang="ko-KR" sz="1100" dirty="0"/>
+              <a:t> </a:t>
+            </a:r>
+            <a:r>
+              <a:rPr lang="ko-KR" altLang="en-US" sz="1100" dirty="0"/>
+              <a:t>타이틀</a:t>
+            </a:r>
+            <a:r>
+              <a:rPr lang="en-US" altLang="ko-KR" sz="1100" dirty="0"/>
+              <a:t> </a:t>
+            </a:r>
+            <a:r>
+              <a:rPr lang="ko-KR" altLang="en-US" sz="1100" dirty="0"/>
+              <a:t>영역이며</a:t>
+            </a:r>
+            <a:r>
+              <a:rPr lang="en-US" altLang="ko-KR" sz="1100" dirty="0"/>
+              <a:t> </a:t>
+            </a:r>
+            <a:r>
+              <a:rPr lang="ko-KR" altLang="en-US" sz="1100" dirty="0"/>
+              <a:t>모든</a:t>
+            </a:r>
+            <a:r>
+              <a:rPr lang="en-US" altLang="ko-KR" sz="1100" dirty="0"/>
+              <a:t> </a:t>
+            </a:r>
+            <a:r>
+              <a:rPr lang="ko-KR" altLang="en-US" sz="1100" dirty="0"/>
+              <a:t>페이지에</a:t>
+            </a:r>
+            <a:r>
+              <a:rPr lang="en-US" altLang="ko-KR" sz="1100" dirty="0"/>
+              <a:t> </a:t>
+            </a:r>
+            <a:r>
+              <a:rPr lang="ko-KR" altLang="en-US" sz="1100" dirty="0"/>
+              <a:t>고정적인</a:t>
+            </a:r>
+            <a:r>
+              <a:rPr lang="en-US" altLang="ko-KR" sz="1100" dirty="0"/>
+              <a:t> </a:t>
+            </a:r>
+            <a:r>
+              <a:rPr lang="ko-KR" altLang="en-US" sz="1100" dirty="0"/>
+              <a:t>위치에</a:t>
+            </a:r>
+            <a:r>
+              <a:rPr lang="en-US" altLang="ko-KR" sz="1100" dirty="0"/>
+              <a:t> </a:t>
+            </a:r>
+            <a:r>
+              <a:rPr lang="ko-KR" altLang="en-US" sz="1100" dirty="0" err="1"/>
+              <a:t>들어감</a:t>
+            </a:r>
+            <a:endParaRPr lang="en-US" altLang="ko-KR" sz="1100" dirty="0"/>
+          </a:p>
+          <a:p>
+            <a:pPr marL="342900" indent="-342900">
+              <a:lnSpc>
+                <a:spcPct val="100000"/>
+              </a:lnSpc>
+              <a:buFont typeface="+mj-lt"/>
+              <a:buAutoNum type="arabicPeriod"/>
+            </a:pPr>
+            <a:r>
+              <a:rPr lang="ko-KR" altLang="en-US" sz="1100" dirty="0"/>
+              <a:t>당일의</a:t>
+            </a:r>
+            <a:r>
+              <a:rPr lang="en-US" altLang="ko-KR" sz="1100" dirty="0"/>
+              <a:t> </a:t>
+            </a:r>
+            <a:r>
+              <a:rPr lang="ko-KR" altLang="en-US" sz="1100" dirty="0"/>
+              <a:t>날씨정보를</a:t>
+            </a:r>
+            <a:r>
+              <a:rPr lang="en-US" altLang="ko-KR" sz="1100" dirty="0"/>
+              <a:t> </a:t>
+            </a:r>
+            <a:r>
+              <a:rPr lang="ko-KR" altLang="en-US" sz="1100" dirty="0"/>
+              <a:t>제공하며</a:t>
+            </a:r>
+            <a:r>
+              <a:rPr lang="en-US" altLang="ko-KR" sz="1100" dirty="0"/>
+              <a:t> </a:t>
+            </a:r>
+            <a:r>
+              <a:rPr lang="ko-KR" altLang="en-US" sz="1100" dirty="0"/>
+              <a:t>기상청</a:t>
+            </a:r>
+            <a:r>
+              <a:rPr lang="en-US" altLang="ko-KR" sz="1100" dirty="0"/>
+              <a:t>, </a:t>
+            </a:r>
+            <a:r>
+              <a:rPr lang="en-US" altLang="ko-KR" sz="1100" dirty="0" err="1"/>
+              <a:t>openweathermap</a:t>
+            </a:r>
+            <a:r>
+              <a:rPr lang="ko-KR" altLang="en-US" sz="1100" dirty="0"/>
+              <a:t>등</a:t>
+            </a:r>
+            <a:r>
+              <a:rPr lang="en-US" altLang="ko-KR" sz="1100" dirty="0"/>
+              <a:t> </a:t>
+            </a:r>
+            <a:r>
+              <a:rPr lang="ko-KR" altLang="en-US" sz="1100" dirty="0"/>
+              <a:t>기상제공</a:t>
+            </a:r>
+            <a:r>
+              <a:rPr lang="en-US" altLang="ko-KR" sz="1100" dirty="0"/>
+              <a:t> </a:t>
+            </a:r>
+            <a:r>
+              <a:rPr lang="ko-KR" altLang="en-US" sz="1100" dirty="0"/>
+              <a:t>서비스별로</a:t>
+            </a:r>
+            <a:r>
+              <a:rPr lang="en-US" altLang="ko-KR" sz="1100" dirty="0"/>
+              <a:t> </a:t>
+            </a:r>
+            <a:r>
+              <a:rPr lang="ko-KR" altLang="en-US" sz="1100" dirty="0"/>
+              <a:t>당일의</a:t>
+            </a:r>
+            <a:r>
+              <a:rPr lang="en-US" altLang="ko-KR" sz="1100" dirty="0"/>
+              <a:t> </a:t>
+            </a:r>
+            <a:r>
+              <a:rPr lang="ko-KR" altLang="en-US" sz="1100" dirty="0"/>
+              <a:t>정보만</a:t>
+            </a:r>
+            <a:r>
+              <a:rPr lang="en-US" altLang="ko-KR" sz="1100" dirty="0"/>
+              <a:t> </a:t>
+            </a:r>
+            <a:r>
+              <a:rPr lang="ko-KR" altLang="en-US" sz="1100" dirty="0"/>
+              <a:t>간략하게</a:t>
+            </a:r>
+            <a:r>
+              <a:rPr lang="en-US" altLang="ko-KR" sz="1100" dirty="0"/>
+              <a:t> </a:t>
+            </a:r>
+            <a:r>
+              <a:rPr lang="ko-KR" altLang="en-US" sz="1100" dirty="0"/>
+              <a:t>제공</a:t>
+            </a:r>
+            <a:r>
+              <a:rPr lang="en-US" altLang="ko-KR" sz="1100" dirty="0"/>
+              <a:t>(3</a:t>
+            </a:r>
+            <a:r>
+              <a:rPr lang="ko-KR" altLang="en-US" sz="1100" dirty="0"/>
+              <a:t>개의</a:t>
+            </a:r>
+            <a:r>
+              <a:rPr lang="en-US" altLang="ko-KR" sz="1100" dirty="0"/>
+              <a:t> </a:t>
+            </a:r>
+            <a:r>
+              <a:rPr lang="ko-KR" altLang="en-US" sz="1100" dirty="0"/>
+              <a:t>서비스</a:t>
+            </a:r>
+            <a:r>
+              <a:rPr lang="en-US" altLang="ko-KR" sz="1100" dirty="0"/>
+              <a:t> </a:t>
+            </a:r>
+            <a:r>
+              <a:rPr lang="ko-KR" altLang="en-US" sz="1100" dirty="0"/>
+              <a:t>제공</a:t>
+            </a:r>
+            <a:r>
+              <a:rPr lang="en-US" altLang="ko-KR" sz="1100" dirty="0"/>
+              <a:t> </a:t>
+            </a:r>
+            <a:r>
+              <a:rPr lang="ko-KR" altLang="en-US" sz="1100" dirty="0"/>
+              <a:t>예정</a:t>
+            </a:r>
+            <a:r>
+              <a:rPr lang="en-US" altLang="ko-KR" sz="1100" dirty="0"/>
+              <a:t>)</a:t>
+            </a:r>
+          </a:p>
+          <a:p>
+            <a:pPr marL="342900" indent="-342900">
+              <a:lnSpc>
+                <a:spcPct val="100000"/>
+              </a:lnSpc>
+              <a:buFont typeface="+mj-lt"/>
+              <a:buAutoNum type="arabicPeriod"/>
+            </a:pPr>
+            <a:r>
+              <a:rPr lang="ko-KR" altLang="en-US" sz="1100" dirty="0"/>
+              <a:t>당일</a:t>
+            </a:r>
+            <a:r>
+              <a:rPr lang="en-US" altLang="ko-KR" sz="1100" dirty="0"/>
+              <a:t> </a:t>
+            </a:r>
+            <a:r>
+              <a:rPr lang="ko-KR" altLang="en-US" sz="1100" dirty="0"/>
+              <a:t>날씨의</a:t>
+            </a:r>
+            <a:r>
+              <a:rPr lang="en-US" altLang="ko-KR" sz="1100" dirty="0"/>
+              <a:t> </a:t>
+            </a:r>
+            <a:r>
+              <a:rPr lang="ko-KR" altLang="en-US" sz="1100" dirty="0"/>
+              <a:t>세부적인</a:t>
+            </a:r>
+            <a:r>
+              <a:rPr lang="en-US" altLang="ko-KR" sz="1100" dirty="0"/>
+              <a:t> </a:t>
+            </a:r>
+            <a:r>
+              <a:rPr lang="ko-KR" altLang="en-US" sz="1100" dirty="0"/>
+              <a:t>정보를</a:t>
+            </a:r>
+            <a:r>
+              <a:rPr lang="en-US" altLang="ko-KR" sz="1100" dirty="0"/>
+              <a:t> </a:t>
+            </a:r>
+            <a:r>
+              <a:rPr lang="ko-KR" altLang="en-US" sz="1100" dirty="0"/>
+              <a:t>제공하는</a:t>
+            </a:r>
+            <a:r>
+              <a:rPr lang="en-US" altLang="ko-KR" sz="1100" dirty="0"/>
+              <a:t> </a:t>
+            </a:r>
+            <a:r>
+              <a:rPr lang="ko-KR" altLang="en-US" sz="1100" dirty="0"/>
+              <a:t>화면으로</a:t>
+            </a:r>
+            <a:r>
+              <a:rPr lang="en-US" altLang="ko-KR" sz="1100" dirty="0"/>
+              <a:t> </a:t>
+            </a:r>
+            <a:r>
+              <a:rPr lang="ko-KR" altLang="en-US" sz="1100" dirty="0" err="1"/>
+              <a:t>넘어감</a:t>
+            </a:r>
+            <a:r>
+              <a:rPr lang="en-US" altLang="ko-KR" sz="1100" dirty="0"/>
+              <a:t> (default </a:t>
+            </a:r>
+            <a:r>
+              <a:rPr lang="ko-KR" altLang="en-US" sz="1100" dirty="0"/>
+              <a:t>기상청</a:t>
+            </a:r>
+            <a:r>
+              <a:rPr lang="en-US" altLang="ko-KR" sz="1100" dirty="0"/>
+              <a:t> </a:t>
+            </a:r>
+            <a:r>
+              <a:rPr lang="ko-KR" altLang="en-US" sz="1100" dirty="0"/>
+              <a:t>정보</a:t>
+            </a:r>
+            <a:r>
+              <a:rPr lang="en-US" altLang="ko-KR" sz="1100" dirty="0"/>
+              <a:t>)</a:t>
+            </a:r>
+          </a:p>
+          <a:p>
+            <a:pPr marL="342900" indent="-342900">
+              <a:lnSpc>
+                <a:spcPct val="100000"/>
+              </a:lnSpc>
+              <a:buFont typeface="+mj-lt"/>
+              <a:buAutoNum type="arabicPeriod"/>
+            </a:pPr>
+            <a:r>
+              <a:rPr lang="ko-KR" altLang="en-US" sz="1100" dirty="0"/>
+              <a:t>기상정보</a:t>
+            </a:r>
+            <a:r>
+              <a:rPr lang="en-US" altLang="ko-KR" sz="1100" dirty="0"/>
+              <a:t> </a:t>
+            </a:r>
+            <a:r>
+              <a:rPr lang="ko-KR" altLang="en-US" sz="1100" dirty="0"/>
+              <a:t>서비스사</a:t>
+            </a:r>
+            <a:r>
+              <a:rPr lang="en-US" altLang="ko-KR" sz="1100" dirty="0"/>
+              <a:t> </a:t>
+            </a:r>
+            <a:r>
+              <a:rPr lang="ko-KR" altLang="en-US" sz="1100" dirty="0"/>
+              <a:t>별로</a:t>
+            </a:r>
+            <a:r>
+              <a:rPr lang="en-US" altLang="ko-KR" sz="1100" dirty="0"/>
+              <a:t> </a:t>
+            </a:r>
+            <a:r>
+              <a:rPr lang="ko-KR" altLang="en-US" sz="1100" dirty="0"/>
+              <a:t>당일</a:t>
+            </a:r>
+            <a:r>
+              <a:rPr lang="en-US" altLang="ko-KR" sz="1100" dirty="0"/>
+              <a:t> </a:t>
+            </a:r>
+            <a:r>
+              <a:rPr lang="ko-KR" altLang="en-US" sz="1100" dirty="0"/>
+              <a:t>날씨를</a:t>
+            </a:r>
+            <a:r>
+              <a:rPr lang="en-US" altLang="ko-KR" sz="1100" dirty="0"/>
+              <a:t> </a:t>
+            </a:r>
+            <a:r>
+              <a:rPr lang="ko-KR" altLang="en-US" sz="1100" dirty="0"/>
+              <a:t>표시하며</a:t>
+            </a:r>
+            <a:r>
+              <a:rPr lang="en-US" altLang="ko-KR" sz="1100" dirty="0"/>
+              <a:t> </a:t>
+            </a:r>
+            <a:r>
+              <a:rPr lang="ko-KR" altLang="en-US" sz="1100" dirty="0"/>
+              <a:t>현재</a:t>
+            </a:r>
+            <a:r>
+              <a:rPr lang="en-US" altLang="ko-KR" sz="1100" dirty="0"/>
+              <a:t> </a:t>
+            </a:r>
+            <a:r>
+              <a:rPr lang="ko-KR" altLang="en-US" sz="1100" dirty="0"/>
+              <a:t>날씨의</a:t>
+            </a:r>
+            <a:r>
+              <a:rPr lang="en-US" altLang="ko-KR" sz="1100" dirty="0"/>
+              <a:t> </a:t>
+            </a:r>
+            <a:r>
+              <a:rPr lang="ko-KR" altLang="en-US" sz="1100" dirty="0"/>
+              <a:t>아이콘</a:t>
+            </a:r>
+            <a:r>
+              <a:rPr lang="en-US" altLang="ko-KR" sz="1100" dirty="0"/>
+              <a:t>, </a:t>
+            </a:r>
+            <a:r>
+              <a:rPr lang="ko-KR" altLang="en-US" sz="1100" dirty="0"/>
+              <a:t>현재</a:t>
+            </a:r>
+            <a:r>
+              <a:rPr lang="en-US" altLang="ko-KR" sz="1100" dirty="0"/>
+              <a:t> </a:t>
+            </a:r>
+            <a:r>
+              <a:rPr lang="ko-KR" altLang="en-US" sz="1100" dirty="0"/>
+              <a:t>날씨</a:t>
+            </a:r>
+            <a:r>
+              <a:rPr lang="en-US" altLang="ko-KR" sz="1100" dirty="0"/>
+              <a:t> </a:t>
+            </a:r>
+            <a:r>
+              <a:rPr lang="ko-KR" altLang="en-US" sz="1100" dirty="0"/>
+              <a:t>당일</a:t>
+            </a:r>
+            <a:r>
+              <a:rPr lang="en-US" altLang="ko-KR" sz="1100" dirty="0"/>
+              <a:t> </a:t>
+            </a:r>
+            <a:r>
+              <a:rPr lang="ko-KR" altLang="en-US" sz="1100" dirty="0"/>
+              <a:t>최고</a:t>
+            </a:r>
+            <a:r>
+              <a:rPr lang="en-US" altLang="ko-KR" sz="1100" dirty="0"/>
+              <a:t>,</a:t>
+            </a:r>
+            <a:r>
+              <a:rPr lang="ko-KR" altLang="en-US" sz="1100" dirty="0"/>
+              <a:t>최저</a:t>
+            </a:r>
+            <a:r>
+              <a:rPr lang="en-US" altLang="ko-KR" sz="1100" dirty="0"/>
+              <a:t> </a:t>
+            </a:r>
+            <a:r>
+              <a:rPr lang="ko-KR" altLang="en-US" sz="1100" dirty="0"/>
+              <a:t>기온을</a:t>
+            </a:r>
+            <a:r>
+              <a:rPr lang="en-US" altLang="ko-KR" sz="1100" dirty="0"/>
+              <a:t> </a:t>
+            </a:r>
+            <a:r>
+              <a:rPr lang="ko-KR" altLang="en-US" sz="1100" dirty="0"/>
+              <a:t>나타낸다</a:t>
+            </a:r>
+            <a:endParaRPr lang="en-US" altLang="ko-KR" sz="1100" dirty="0"/>
+          </a:p>
+          <a:p>
+            <a:pPr marL="800100" lvl="1" indent="-342900">
+              <a:lnSpc>
+                <a:spcPct val="100000"/>
+              </a:lnSpc>
+              <a:buFont typeface="+mj-lt"/>
+              <a:buAutoNum type="arabicPeriod"/>
+            </a:pPr>
+            <a:r>
+              <a:rPr lang="ko-KR" altLang="en-US" sz="1100" dirty="0"/>
+              <a:t>서비스별로</a:t>
+            </a:r>
+            <a:r>
+              <a:rPr lang="en-US" altLang="ko-KR" sz="1100" dirty="0"/>
+              <a:t> </a:t>
+            </a:r>
+            <a:r>
+              <a:rPr lang="ko-KR" altLang="en-US" sz="1100" dirty="0"/>
+              <a:t>나와있는</a:t>
+            </a:r>
+            <a:r>
+              <a:rPr lang="en-US" altLang="ko-KR" sz="1100" dirty="0"/>
+              <a:t> </a:t>
+            </a:r>
+            <a:r>
+              <a:rPr lang="ko-KR" altLang="en-US" sz="1100" dirty="0"/>
+              <a:t>카드를</a:t>
+            </a:r>
+            <a:r>
+              <a:rPr lang="en-US" altLang="ko-KR" sz="1100" dirty="0"/>
+              <a:t> </a:t>
+            </a:r>
+            <a:r>
+              <a:rPr lang="ko-KR" altLang="en-US" sz="1100" dirty="0"/>
+              <a:t>클릭하면</a:t>
+            </a:r>
+            <a:r>
+              <a:rPr lang="en-US" altLang="ko-KR" sz="1100" dirty="0"/>
+              <a:t> </a:t>
+            </a:r>
+            <a:r>
+              <a:rPr lang="ko-KR" altLang="en-US" sz="1100" dirty="0"/>
+              <a:t>해당</a:t>
+            </a:r>
+            <a:r>
+              <a:rPr lang="en-US" altLang="ko-KR" sz="1100" dirty="0"/>
+              <a:t> </a:t>
+            </a:r>
+            <a:r>
+              <a:rPr lang="ko-KR" altLang="en-US" sz="1100" dirty="0"/>
+              <a:t>서비스사의</a:t>
+            </a:r>
+            <a:r>
+              <a:rPr lang="en-US" altLang="ko-KR" sz="1100" dirty="0"/>
+              <a:t> </a:t>
+            </a:r>
+            <a:r>
+              <a:rPr lang="ko-KR" altLang="en-US" sz="1100" dirty="0"/>
+              <a:t>당일</a:t>
+            </a:r>
+            <a:r>
+              <a:rPr lang="en-US" altLang="ko-KR" sz="1100" dirty="0"/>
+              <a:t> </a:t>
+            </a:r>
+            <a:r>
+              <a:rPr lang="ko-KR" altLang="en-US" sz="1100" dirty="0" err="1"/>
+              <a:t>상세날씨정보</a:t>
+            </a:r>
+            <a:r>
+              <a:rPr lang="en-US" altLang="ko-KR" sz="1100" dirty="0"/>
+              <a:t> </a:t>
+            </a:r>
+            <a:r>
+              <a:rPr lang="ko-KR" altLang="en-US" sz="1100" dirty="0"/>
+              <a:t>페이지로</a:t>
+            </a:r>
+            <a:r>
+              <a:rPr lang="en-US" altLang="ko-KR" sz="1100" dirty="0"/>
+              <a:t> </a:t>
+            </a:r>
+            <a:r>
+              <a:rPr lang="ko-KR" altLang="en-US" sz="1100" dirty="0"/>
+              <a:t>이동</a:t>
+            </a:r>
+            <a:endParaRPr lang="en-US" altLang="ko-KR" sz="1100" dirty="0"/>
+          </a:p>
+          <a:p>
+            <a:pPr marL="342900" indent="-342900">
+              <a:lnSpc>
+                <a:spcPct val="100000"/>
+              </a:lnSpc>
+              <a:buFont typeface="+mj-lt"/>
+              <a:buAutoNum type="arabicPeriod"/>
+            </a:pPr>
+            <a:r>
+              <a:rPr lang="ko-KR" altLang="en-US" sz="1100" dirty="0"/>
+              <a:t>기타</a:t>
+            </a:r>
+            <a:r>
+              <a:rPr lang="en-US" altLang="ko-KR" sz="1100" dirty="0"/>
+              <a:t> </a:t>
+            </a:r>
+            <a:r>
+              <a:rPr lang="ko-KR" altLang="en-US" sz="1100" dirty="0" err="1"/>
+              <a:t>대기횐경등의</a:t>
+            </a:r>
+            <a:r>
+              <a:rPr lang="en-US" altLang="ko-KR" sz="1100" dirty="0"/>
+              <a:t> </a:t>
+            </a:r>
+            <a:r>
+              <a:rPr lang="ko-KR" altLang="en-US" sz="1100" dirty="0"/>
+              <a:t>정보를</a:t>
+            </a:r>
+            <a:r>
+              <a:rPr lang="en-US" altLang="ko-KR" sz="1100" dirty="0"/>
+              <a:t> </a:t>
+            </a:r>
+            <a:r>
+              <a:rPr lang="ko-KR" altLang="en-US" sz="1100" dirty="0"/>
+              <a:t>나타낸다</a:t>
+            </a:r>
+            <a:endParaRPr lang="en-US" altLang="ko-KR" sz="1100" dirty="0"/>
+          </a:p>
+          <a:p>
+            <a:pPr marL="800100" lvl="1" indent="-342900">
+              <a:lnSpc>
+                <a:spcPct val="100000"/>
+              </a:lnSpc>
+              <a:buFont typeface="+mj-lt"/>
+              <a:buAutoNum type="arabicPeriod"/>
+            </a:pPr>
+            <a:r>
+              <a:rPr lang="ko-KR" altLang="en-US" sz="1100" dirty="0"/>
+              <a:t>기본값으로 기상청의 대기정보를 가져오며 다른 기상서비스에서도 제공하는 경우 </a:t>
+            </a:r>
+            <a:r>
+              <a:rPr lang="en-US" altLang="ko-KR" sz="1100" dirty="0"/>
+              <a:t>9</a:t>
+            </a:r>
+            <a:r>
+              <a:rPr lang="ko-KR" altLang="en-US" sz="1100" dirty="0"/>
+              <a:t>번과 같이 </a:t>
+            </a:r>
+            <a:r>
+              <a:rPr lang="ko-KR" altLang="en-US" sz="1100" dirty="0" err="1"/>
+              <a:t>드롭다운을</a:t>
+            </a:r>
+            <a:r>
+              <a:rPr lang="ko-KR" altLang="en-US" sz="1100" dirty="0"/>
+              <a:t> 추가하여 정보를 볼 수 있도록 함</a:t>
+            </a:r>
+            <a:endParaRPr lang="en-US" altLang="ko-KR" sz="1100" dirty="0"/>
           </a:p>
         </p:txBody>
       </p:sp>
@@ -4613,39 +5213,89 @@
         </p:nvSpPr>
         <p:spPr/>
         <p:txBody>
-          <a:bodyPr/>
-          <a:lstStyle/>
-          <a:p>
-            <a:endParaRPr lang="ko-KR" altLang="en-US"/>
-          </a:p>
-        </p:txBody>
-      </p:sp>
-      <p:sp>
-        <p:nvSpPr>
-          <p:cNvPr id="5" name="직사각형 4">
-            <a:extLst>
-              <a:ext uri="{FF2B5EF4-FFF2-40B4-BE49-F238E27FC236}">
-                <a16:creationId xmlns:a16="http://schemas.microsoft.com/office/drawing/2014/main" id="{FAF5D5F7-4980-43B0-B7B1-4FFE88BDE767}"/>
-              </a:ext>
-            </a:extLst>
-          </p:cNvPr>
-          <p:cNvSpPr/>
+          <a:bodyPr>
+            <a:normAutofit/>
+          </a:bodyPr>
+          <a:lstStyle/>
+          <a:p>
+            <a:pPr marL="0" indent="0">
+              <a:buNone/>
+            </a:pPr>
+            <a:r>
+              <a:rPr lang="ko-KR" altLang="en-US" sz="1600"/>
+              <a:t>메인화면</a:t>
+            </a:r>
+          </a:p>
+        </p:txBody>
+      </p:sp>
+      <p:pic>
+        <p:nvPicPr>
+          <p:cNvPr id="6" name="그림 6">
+            <a:extLst>
+              <a:ext uri="{FF2B5EF4-FFF2-40B4-BE49-F238E27FC236}">
+                <a16:creationId xmlns:a16="http://schemas.microsoft.com/office/drawing/2014/main" id="{69C6AE83-3499-F347-B7A5-61975E4B49FF}"/>
+              </a:ext>
+            </a:extLst>
+          </p:cNvPr>
+          <p:cNvPicPr>
+            <a:picLocks noChangeAspect="1"/>
+          </p:cNvPicPr>
           <p:nvPr/>
-        </p:nvSpPr>
+        </p:nvPicPr>
+        <p:blipFill>
+          <a:blip r:embed="rId2">
+            <a:extLst>
+              <a:ext uri="{28A0092B-C50C-407E-A947-70E740481C1C}">
+                <a14:useLocalDpi xmlns:a14="http://schemas.microsoft.com/office/drawing/2010/main" val="0"/>
+              </a:ext>
+            </a:extLst>
+          </a:blip>
+          <a:stretch>
+            <a:fillRect/>
+          </a:stretch>
+        </p:blipFill>
         <p:spPr>
           <a:xfrm>
-            <a:off x="2468880" y="1073150"/>
-            <a:ext cx="4460240" cy="4938713"/>
+            <a:off x="2835862" y="1073150"/>
+            <a:ext cx="3220686" cy="4938767"/>
           </a:xfrm>
           <a:prstGeom prst="rect">
             <a:avLst/>
           </a:prstGeom>
+        </p:spPr>
+      </p:pic>
+      <p:sp>
+        <p:nvSpPr>
+          <p:cNvPr id="7" name="타원 6">
+            <a:extLst>
+              <a:ext uri="{FF2B5EF4-FFF2-40B4-BE49-F238E27FC236}">
+                <a16:creationId xmlns:a16="http://schemas.microsoft.com/office/drawing/2014/main" id="{2318D349-37DB-1149-86DE-9E044EC9C58F}"/>
+              </a:ext>
+            </a:extLst>
+          </p:cNvPr>
+          <p:cNvSpPr/>
+          <p:nvPr/>
+        </p:nvSpPr>
+        <p:spPr>
+          <a:xfrm>
+            <a:off x="2835862" y="1132885"/>
+            <a:ext cx="235277" cy="245653"/>
+          </a:xfrm>
+          <a:prstGeom prst="ellipse">
+            <a:avLst/>
+          </a:prstGeom>
           <a:solidFill>
-            <a:schemeClr val="bg2"/>
+            <a:schemeClr val="accent2">
+              <a:lumMod val="60000"/>
+              <a:lumOff val="40000"/>
+            </a:schemeClr>
           </a:solidFill>
           <a:ln>
             <a:solidFill>
-              <a:schemeClr val="bg2"/>
+              <a:schemeClr val="accent2">
+                <a:lumMod val="60000"/>
+                <a:lumOff val="40000"/>
+              </a:schemeClr>
             </a:solidFill>
           </a:ln>
         </p:spPr>
@@ -4670,7 +5320,514 @@
           <a:lstStyle/>
           <a:p>
             <a:pPr algn="ctr"/>
-            <a:endParaRPr lang="ko-KR" altLang="en-US"/>
+            <a:r>
+              <a:rPr lang="en-US" altLang="ko-KR" sz="1400"/>
+              <a:t>1</a:t>
+            </a:r>
+          </a:p>
+        </p:txBody>
+      </p:sp>
+      <p:sp>
+        <p:nvSpPr>
+          <p:cNvPr id="9" name="타원 8">
+            <a:extLst>
+              <a:ext uri="{FF2B5EF4-FFF2-40B4-BE49-F238E27FC236}">
+                <a16:creationId xmlns:a16="http://schemas.microsoft.com/office/drawing/2014/main" id="{C7B97FD5-24E2-F746-B43B-AF6C7C507C8D}"/>
+              </a:ext>
+            </a:extLst>
+          </p:cNvPr>
+          <p:cNvSpPr/>
+          <p:nvPr/>
+        </p:nvSpPr>
+        <p:spPr>
+          <a:xfrm>
+            <a:off x="2823208" y="1555949"/>
+            <a:ext cx="235277" cy="245653"/>
+          </a:xfrm>
+          <a:prstGeom prst="ellipse">
+            <a:avLst/>
+          </a:prstGeom>
+          <a:solidFill>
+            <a:schemeClr val="accent2">
+              <a:lumMod val="60000"/>
+              <a:lumOff val="40000"/>
+            </a:schemeClr>
+          </a:solidFill>
+          <a:ln>
+            <a:solidFill>
+              <a:schemeClr val="accent2">
+                <a:lumMod val="60000"/>
+                <a:lumOff val="40000"/>
+              </a:schemeClr>
+            </a:solidFill>
+          </a:ln>
+        </p:spPr>
+        <p:style>
+          <a:lnRef idx="2">
+            <a:schemeClr val="accent1">
+              <a:shade val="50000"/>
+            </a:schemeClr>
+          </a:lnRef>
+          <a:fillRef idx="1">
+            <a:schemeClr val="accent1"/>
+          </a:fillRef>
+          <a:effectRef idx="0">
+            <a:schemeClr val="accent1"/>
+          </a:effectRef>
+          <a:fontRef idx="minor">
+            <a:schemeClr val="lt1"/>
+          </a:fontRef>
+        </p:style>
+        <p:txBody>
+          <a:bodyPr rtlCol="0" anchor="ctr"/>
+          <a:lstStyle/>
+          <a:p>
+            <a:pPr algn="ctr"/>
+            <a:r>
+              <a:rPr lang="en-US" altLang="ko-KR" sz="1400"/>
+              <a:t>2</a:t>
+            </a:r>
+          </a:p>
+        </p:txBody>
+      </p:sp>
+      <p:sp>
+        <p:nvSpPr>
+          <p:cNvPr id="11" name="타원 10">
+            <a:extLst>
+              <a:ext uri="{FF2B5EF4-FFF2-40B4-BE49-F238E27FC236}">
+                <a16:creationId xmlns:a16="http://schemas.microsoft.com/office/drawing/2014/main" id="{44012AAD-B73C-F244-BDB6-272B94B2D27A}"/>
+              </a:ext>
+            </a:extLst>
+          </p:cNvPr>
+          <p:cNvSpPr/>
+          <p:nvPr/>
+        </p:nvSpPr>
+        <p:spPr>
+          <a:xfrm>
+            <a:off x="5285348" y="1498709"/>
+            <a:ext cx="235277" cy="245653"/>
+          </a:xfrm>
+          <a:prstGeom prst="ellipse">
+            <a:avLst/>
+          </a:prstGeom>
+          <a:solidFill>
+            <a:schemeClr val="accent2">
+              <a:lumMod val="60000"/>
+              <a:lumOff val="40000"/>
+            </a:schemeClr>
+          </a:solidFill>
+          <a:ln>
+            <a:solidFill>
+              <a:schemeClr val="accent2">
+                <a:lumMod val="60000"/>
+                <a:lumOff val="40000"/>
+              </a:schemeClr>
+            </a:solidFill>
+          </a:ln>
+        </p:spPr>
+        <p:style>
+          <a:lnRef idx="2">
+            <a:schemeClr val="accent1">
+              <a:shade val="50000"/>
+            </a:schemeClr>
+          </a:lnRef>
+          <a:fillRef idx="1">
+            <a:schemeClr val="accent1"/>
+          </a:fillRef>
+          <a:effectRef idx="0">
+            <a:schemeClr val="accent1"/>
+          </a:effectRef>
+          <a:fontRef idx="minor">
+            <a:schemeClr val="lt1"/>
+          </a:fontRef>
+        </p:style>
+        <p:txBody>
+          <a:bodyPr rtlCol="0" anchor="ctr"/>
+          <a:lstStyle/>
+          <a:p>
+            <a:pPr algn="ctr"/>
+            <a:r>
+              <a:rPr lang="en-US" altLang="ko-KR" sz="1400"/>
+              <a:t>3</a:t>
+            </a:r>
+          </a:p>
+        </p:txBody>
+      </p:sp>
+      <p:sp>
+        <p:nvSpPr>
+          <p:cNvPr id="13" name="타원 12">
+            <a:extLst>
+              <a:ext uri="{FF2B5EF4-FFF2-40B4-BE49-F238E27FC236}">
+                <a16:creationId xmlns:a16="http://schemas.microsoft.com/office/drawing/2014/main" id="{C09EC433-DA23-0F4F-A800-5F27C3234F7A}"/>
+              </a:ext>
+            </a:extLst>
+          </p:cNvPr>
+          <p:cNvSpPr/>
+          <p:nvPr/>
+        </p:nvSpPr>
+        <p:spPr>
+          <a:xfrm>
+            <a:off x="2958703" y="1958584"/>
+            <a:ext cx="235277" cy="245653"/>
+          </a:xfrm>
+          <a:prstGeom prst="ellipse">
+            <a:avLst/>
+          </a:prstGeom>
+          <a:solidFill>
+            <a:schemeClr val="accent2">
+              <a:lumMod val="60000"/>
+              <a:lumOff val="40000"/>
+            </a:schemeClr>
+          </a:solidFill>
+          <a:ln>
+            <a:solidFill>
+              <a:schemeClr val="accent2">
+                <a:lumMod val="60000"/>
+                <a:lumOff val="40000"/>
+              </a:schemeClr>
+            </a:solidFill>
+          </a:ln>
+        </p:spPr>
+        <p:style>
+          <a:lnRef idx="2">
+            <a:schemeClr val="accent1">
+              <a:shade val="50000"/>
+            </a:schemeClr>
+          </a:lnRef>
+          <a:fillRef idx="1">
+            <a:schemeClr val="accent1"/>
+          </a:fillRef>
+          <a:effectRef idx="0">
+            <a:schemeClr val="accent1"/>
+          </a:effectRef>
+          <a:fontRef idx="minor">
+            <a:schemeClr val="lt1"/>
+          </a:fontRef>
+        </p:style>
+        <p:txBody>
+          <a:bodyPr rtlCol="0" anchor="ctr"/>
+          <a:lstStyle/>
+          <a:p>
+            <a:pPr algn="ctr"/>
+            <a:r>
+              <a:rPr lang="en-US" altLang="ko-KR" sz="1400"/>
+              <a:t>4</a:t>
+            </a:r>
+          </a:p>
+        </p:txBody>
+      </p:sp>
+      <p:sp>
+        <p:nvSpPr>
+          <p:cNvPr id="15" name="타원 14">
+            <a:extLst>
+              <a:ext uri="{FF2B5EF4-FFF2-40B4-BE49-F238E27FC236}">
+                <a16:creationId xmlns:a16="http://schemas.microsoft.com/office/drawing/2014/main" id="{5CFDF7D1-8702-6648-86CE-C1AAD4EB6DEB}"/>
+              </a:ext>
+            </a:extLst>
+          </p:cNvPr>
+          <p:cNvSpPr/>
+          <p:nvPr/>
+        </p:nvSpPr>
+        <p:spPr>
+          <a:xfrm>
+            <a:off x="2768535" y="2884111"/>
+            <a:ext cx="235277" cy="245653"/>
+          </a:xfrm>
+          <a:prstGeom prst="ellipse">
+            <a:avLst/>
+          </a:prstGeom>
+          <a:solidFill>
+            <a:schemeClr val="accent2">
+              <a:lumMod val="60000"/>
+              <a:lumOff val="40000"/>
+            </a:schemeClr>
+          </a:solidFill>
+          <a:ln>
+            <a:solidFill>
+              <a:schemeClr val="accent2">
+                <a:lumMod val="60000"/>
+                <a:lumOff val="40000"/>
+              </a:schemeClr>
+            </a:solidFill>
+          </a:ln>
+        </p:spPr>
+        <p:style>
+          <a:lnRef idx="2">
+            <a:schemeClr val="accent1">
+              <a:shade val="50000"/>
+            </a:schemeClr>
+          </a:lnRef>
+          <a:fillRef idx="1">
+            <a:schemeClr val="accent1"/>
+          </a:fillRef>
+          <a:effectRef idx="0">
+            <a:schemeClr val="accent1"/>
+          </a:effectRef>
+          <a:fontRef idx="minor">
+            <a:schemeClr val="lt1"/>
+          </a:fontRef>
+        </p:style>
+        <p:txBody>
+          <a:bodyPr rtlCol="0" anchor="ctr"/>
+          <a:lstStyle/>
+          <a:p>
+            <a:pPr algn="ctr"/>
+            <a:r>
+              <a:rPr lang="en-US" altLang="ko-KR" sz="1400"/>
+              <a:t>5</a:t>
+            </a:r>
+          </a:p>
+        </p:txBody>
+      </p:sp>
+      <p:sp>
+        <p:nvSpPr>
+          <p:cNvPr id="17" name="타원 16">
+            <a:extLst>
+              <a:ext uri="{FF2B5EF4-FFF2-40B4-BE49-F238E27FC236}">
+                <a16:creationId xmlns:a16="http://schemas.microsoft.com/office/drawing/2014/main" id="{90737DC5-195A-6F46-AD3C-C729BBA3DD17}"/>
+              </a:ext>
+            </a:extLst>
+          </p:cNvPr>
+          <p:cNvSpPr/>
+          <p:nvPr/>
+        </p:nvSpPr>
+        <p:spPr>
+          <a:xfrm>
+            <a:off x="3076341" y="3292872"/>
+            <a:ext cx="235277" cy="245653"/>
+          </a:xfrm>
+          <a:prstGeom prst="ellipse">
+            <a:avLst/>
+          </a:prstGeom>
+          <a:solidFill>
+            <a:schemeClr val="accent2">
+              <a:lumMod val="60000"/>
+              <a:lumOff val="40000"/>
+            </a:schemeClr>
+          </a:solidFill>
+          <a:ln>
+            <a:solidFill>
+              <a:schemeClr val="accent2">
+                <a:lumMod val="60000"/>
+                <a:lumOff val="40000"/>
+              </a:schemeClr>
+            </a:solidFill>
+          </a:ln>
+        </p:spPr>
+        <p:style>
+          <a:lnRef idx="2">
+            <a:schemeClr val="accent1">
+              <a:shade val="50000"/>
+            </a:schemeClr>
+          </a:lnRef>
+          <a:fillRef idx="1">
+            <a:schemeClr val="accent1"/>
+          </a:fillRef>
+          <a:effectRef idx="0">
+            <a:schemeClr val="accent1"/>
+          </a:effectRef>
+          <a:fontRef idx="minor">
+            <a:schemeClr val="lt1"/>
+          </a:fontRef>
+        </p:style>
+        <p:txBody>
+          <a:bodyPr rtlCol="0" anchor="ctr"/>
+          <a:lstStyle/>
+          <a:p>
+            <a:pPr algn="ctr"/>
+            <a:r>
+              <a:rPr lang="en-US" altLang="ko-KR" sz="1400"/>
+              <a:t>6</a:t>
+            </a:r>
+          </a:p>
+        </p:txBody>
+      </p:sp>
+      <p:sp>
+        <p:nvSpPr>
+          <p:cNvPr id="19" name="타원 18">
+            <a:extLst>
+              <a:ext uri="{FF2B5EF4-FFF2-40B4-BE49-F238E27FC236}">
+                <a16:creationId xmlns:a16="http://schemas.microsoft.com/office/drawing/2014/main" id="{C7758454-652F-6143-B0E3-599573A25748}"/>
+              </a:ext>
+            </a:extLst>
+          </p:cNvPr>
+          <p:cNvSpPr/>
+          <p:nvPr/>
+        </p:nvSpPr>
+        <p:spPr>
+          <a:xfrm>
+            <a:off x="2832664" y="4276280"/>
+            <a:ext cx="235277" cy="245653"/>
+          </a:xfrm>
+          <a:prstGeom prst="ellipse">
+            <a:avLst/>
+          </a:prstGeom>
+          <a:solidFill>
+            <a:schemeClr val="accent2">
+              <a:lumMod val="60000"/>
+              <a:lumOff val="40000"/>
+            </a:schemeClr>
+          </a:solidFill>
+          <a:ln>
+            <a:solidFill>
+              <a:schemeClr val="accent2">
+                <a:lumMod val="60000"/>
+                <a:lumOff val="40000"/>
+              </a:schemeClr>
+            </a:solidFill>
+          </a:ln>
+        </p:spPr>
+        <p:style>
+          <a:lnRef idx="2">
+            <a:schemeClr val="accent1">
+              <a:shade val="50000"/>
+            </a:schemeClr>
+          </a:lnRef>
+          <a:fillRef idx="1">
+            <a:schemeClr val="accent1"/>
+          </a:fillRef>
+          <a:effectRef idx="0">
+            <a:schemeClr val="accent1"/>
+          </a:effectRef>
+          <a:fontRef idx="minor">
+            <a:schemeClr val="lt1"/>
+          </a:fontRef>
+        </p:style>
+        <p:txBody>
+          <a:bodyPr rtlCol="0" anchor="ctr"/>
+          <a:lstStyle/>
+          <a:p>
+            <a:pPr algn="ctr"/>
+            <a:r>
+              <a:rPr lang="en-US" altLang="ko-KR" sz="1400"/>
+              <a:t>7</a:t>
+            </a:r>
+          </a:p>
+        </p:txBody>
+      </p:sp>
+      <p:sp>
+        <p:nvSpPr>
+          <p:cNvPr id="21" name="타원 20">
+            <a:extLst>
+              <a:ext uri="{FF2B5EF4-FFF2-40B4-BE49-F238E27FC236}">
+                <a16:creationId xmlns:a16="http://schemas.microsoft.com/office/drawing/2014/main" id="{6F93E84D-5044-B244-9AE3-BEF1415216D4}"/>
+              </a:ext>
+            </a:extLst>
+          </p:cNvPr>
+          <p:cNvSpPr/>
+          <p:nvPr/>
+        </p:nvSpPr>
+        <p:spPr>
+          <a:xfrm>
+            <a:off x="5195374" y="1081606"/>
+            <a:ext cx="235277" cy="245653"/>
+          </a:xfrm>
+          <a:prstGeom prst="ellipse">
+            <a:avLst/>
+          </a:prstGeom>
+          <a:solidFill>
+            <a:schemeClr val="accent2">
+              <a:lumMod val="60000"/>
+              <a:lumOff val="40000"/>
+            </a:schemeClr>
+          </a:solidFill>
+          <a:ln>
+            <a:solidFill>
+              <a:schemeClr val="accent2">
+                <a:lumMod val="60000"/>
+                <a:lumOff val="40000"/>
+              </a:schemeClr>
+            </a:solidFill>
+          </a:ln>
+        </p:spPr>
+        <p:style>
+          <a:lnRef idx="2">
+            <a:schemeClr val="accent1">
+              <a:shade val="50000"/>
+            </a:schemeClr>
+          </a:lnRef>
+          <a:fillRef idx="1">
+            <a:schemeClr val="accent1"/>
+          </a:fillRef>
+          <a:effectRef idx="0">
+            <a:schemeClr val="accent1"/>
+          </a:effectRef>
+          <a:fontRef idx="minor">
+            <a:schemeClr val="lt1"/>
+          </a:fontRef>
+        </p:style>
+        <p:txBody>
+          <a:bodyPr rtlCol="0" anchor="ctr"/>
+          <a:lstStyle/>
+          <a:p>
+            <a:pPr algn="ctr"/>
+            <a:r>
+              <a:rPr lang="en-US" altLang="ko-KR" sz="1400"/>
+              <a:t>8</a:t>
+            </a:r>
+          </a:p>
+        </p:txBody>
+      </p:sp>
+      <p:sp>
+        <p:nvSpPr>
+          <p:cNvPr id="23" name="타원 22">
+            <a:extLst>
+              <a:ext uri="{FF2B5EF4-FFF2-40B4-BE49-F238E27FC236}">
+                <a16:creationId xmlns:a16="http://schemas.microsoft.com/office/drawing/2014/main" id="{BCA0EC64-0C57-6446-9C1D-E5FD605F442B}"/>
+              </a:ext>
+            </a:extLst>
+          </p:cNvPr>
+          <p:cNvSpPr/>
+          <p:nvPr/>
+        </p:nvSpPr>
+        <p:spPr>
+          <a:xfrm>
+            <a:off x="5109965" y="4276279"/>
+            <a:ext cx="235277" cy="245653"/>
+          </a:xfrm>
+          <a:prstGeom prst="ellipse">
+            <a:avLst/>
+          </a:prstGeom>
+          <a:solidFill>
+            <a:schemeClr val="accent2">
+              <a:lumMod val="60000"/>
+              <a:lumOff val="40000"/>
+            </a:schemeClr>
+          </a:solidFill>
+          <a:ln>
+            <a:solidFill>
+              <a:schemeClr val="accent2">
+                <a:lumMod val="60000"/>
+                <a:lumOff val="40000"/>
+              </a:schemeClr>
+            </a:solidFill>
+          </a:ln>
+        </p:spPr>
+        <p:style>
+          <a:lnRef idx="2">
+            <a:schemeClr val="accent1">
+              <a:shade val="50000"/>
+            </a:schemeClr>
+          </a:lnRef>
+          <a:fillRef idx="1">
+            <a:schemeClr val="accent1"/>
+          </a:fillRef>
+          <a:effectRef idx="0">
+            <a:schemeClr val="accent1"/>
+          </a:effectRef>
+          <a:fontRef idx="minor">
+            <a:schemeClr val="lt1"/>
+          </a:fontRef>
+        </p:style>
+        <p:txBody>
+          <a:bodyPr rtlCol="0" anchor="ctr"/>
+          <a:lstStyle/>
+          <a:p>
+            <a:pPr algn="ctr"/>
+            <a:r>
+              <a:rPr lang="en-US" altLang="ko-KR" sz="1400"/>
+              <a:t>9</a:t>
+            </a:r>
           </a:p>
         </p:txBody>
       </p:sp>
@@ -4678,6 +5835,1574 @@
     <p:extLst>
       <p:ext uri="{BB962C8B-B14F-4D97-AF65-F5344CB8AC3E}">
         <p14:creationId xmlns:p14="http://schemas.microsoft.com/office/powerpoint/2010/main" val="217887846"/>
+      </p:ext>
+    </p:extLst>
+  </p:cSld>
+  <p:clrMapOvr>
+    <a:masterClrMapping/>
+  </p:clrMapOvr>
+</p:sld>
+</file>
+
+<file path=ppt/slides/slide5.xml><?xml version="1.0" encoding="utf-8"?>
+<p:sld xmlns:a="http://schemas.openxmlformats.org/drawingml/2006/main" xmlns:r="http://schemas.openxmlformats.org/officeDocument/2006/relationships" xmlns:p="http://schemas.openxmlformats.org/presentationml/2006/main">
+  <p:cSld>
+    <p:spTree>
+      <p:nvGrpSpPr>
+        <p:cNvPr id="1" name=""/>
+        <p:cNvGrpSpPr/>
+        <p:nvPr/>
+      </p:nvGrpSpPr>
+      <p:grpSpPr>
+        <a:xfrm>
+          <a:off x="0" y="0"/>
+          <a:ext cx="0" cy="0"/>
+          <a:chOff x="0" y="0"/>
+          <a:chExt cx="0" cy="0"/>
+        </a:xfrm>
+      </p:grpSpPr>
+      <p:sp>
+        <p:nvSpPr>
+          <p:cNvPr id="2" name="제목 1">
+            <a:extLst>
+              <a:ext uri="{FF2B5EF4-FFF2-40B4-BE49-F238E27FC236}">
+                <a16:creationId xmlns:a16="http://schemas.microsoft.com/office/drawing/2014/main" id="{31098EBF-3882-4D0B-B12F-455F2D17BEA6}"/>
+              </a:ext>
+            </a:extLst>
+          </p:cNvPr>
+          <p:cNvSpPr>
+            <a:spLocks noGrp="1"/>
+          </p:cNvSpPr>
+          <p:nvPr>
+            <p:ph type="title"/>
+          </p:nvPr>
+        </p:nvSpPr>
+        <p:spPr/>
+        <p:txBody>
+          <a:bodyPr/>
+          <a:lstStyle/>
+          <a:p>
+            <a:r>
+              <a:rPr lang="ko-KR" altLang="en-US" sz="2000" dirty="0"/>
+              <a:t>기상정보</a:t>
+            </a:r>
+          </a:p>
+        </p:txBody>
+      </p:sp>
+      <p:sp>
+        <p:nvSpPr>
+          <p:cNvPr id="3" name="텍스트 개체 틀 2">
+            <a:extLst>
+              <a:ext uri="{FF2B5EF4-FFF2-40B4-BE49-F238E27FC236}">
+                <a16:creationId xmlns:a16="http://schemas.microsoft.com/office/drawing/2014/main" id="{2D3CECCD-0875-4E71-8EC3-5BE71374C1ED}"/>
+              </a:ext>
+            </a:extLst>
+          </p:cNvPr>
+          <p:cNvSpPr>
+            <a:spLocks noGrp="1"/>
+          </p:cNvSpPr>
+          <p:nvPr>
+            <p:ph type="body" sz="quarter" idx="18"/>
+          </p:nvPr>
+        </p:nvSpPr>
+        <p:spPr/>
+        <p:txBody>
+          <a:bodyPr>
+            <a:normAutofit/>
+          </a:bodyPr>
+          <a:lstStyle/>
+          <a:p>
+            <a:pPr marL="342900" indent="-342900">
+              <a:lnSpc>
+                <a:spcPct val="100000"/>
+              </a:lnSpc>
+              <a:buFont typeface="+mj-lt"/>
+              <a:buAutoNum type="arabicPeriod" startAt="6"/>
+            </a:pPr>
+            <a:r>
+              <a:rPr lang="ko-KR" altLang="en-US" sz="1100" dirty="0"/>
+              <a:t>아이콘과</a:t>
+            </a:r>
+            <a:r>
+              <a:rPr lang="en-US" altLang="ko-KR" sz="1100" dirty="0"/>
+              <a:t> </a:t>
+            </a:r>
+            <a:r>
+              <a:rPr lang="ko-KR" altLang="en-US" sz="1100" dirty="0"/>
+              <a:t>해당</a:t>
+            </a:r>
+            <a:r>
+              <a:rPr lang="en-US" altLang="ko-KR" sz="1100" dirty="0"/>
+              <a:t> </a:t>
+            </a:r>
+            <a:r>
+              <a:rPr lang="ko-KR" altLang="en-US" sz="1100" dirty="0"/>
+              <a:t>정보의</a:t>
+            </a:r>
+            <a:r>
+              <a:rPr lang="en-US" altLang="ko-KR" sz="1100" dirty="0"/>
+              <a:t> </a:t>
+            </a:r>
+            <a:r>
+              <a:rPr lang="ko-KR" altLang="en-US" sz="1100" dirty="0"/>
+              <a:t>맞는</a:t>
+            </a:r>
+            <a:r>
+              <a:rPr lang="en-US" altLang="ko-KR" sz="1100" dirty="0"/>
+              <a:t> </a:t>
+            </a:r>
+            <a:r>
+              <a:rPr lang="ko-KR" altLang="en-US" sz="1100" dirty="0"/>
+              <a:t>수치 등이</a:t>
+            </a:r>
+            <a:r>
+              <a:rPr lang="en-US" altLang="ko-KR" sz="1100" dirty="0"/>
+              <a:t> 999</a:t>
+            </a:r>
+            <a:r>
+              <a:rPr lang="ko-KR" altLang="en-US" sz="1100" dirty="0"/>
+              <a:t>영역에</a:t>
+            </a:r>
+            <a:r>
+              <a:rPr lang="en-US" altLang="ko-KR" sz="1100" dirty="0"/>
+              <a:t> </a:t>
+            </a:r>
+            <a:r>
+              <a:rPr lang="ko-KR" altLang="en-US" sz="1100" dirty="0"/>
+              <a:t>나타나며</a:t>
+            </a:r>
+            <a:r>
+              <a:rPr lang="en-US" altLang="ko-KR" sz="1100" dirty="0"/>
+              <a:t> </a:t>
+            </a:r>
+            <a:r>
+              <a:rPr lang="ko-KR" altLang="en-US" sz="1100" dirty="0"/>
+              <a:t>그</a:t>
+            </a:r>
+            <a:r>
+              <a:rPr lang="en-US" altLang="ko-KR" sz="1100" dirty="0"/>
+              <a:t> </a:t>
+            </a:r>
+            <a:r>
+              <a:rPr lang="ko-KR" altLang="en-US" sz="1100" dirty="0"/>
+              <a:t>정도에</a:t>
+            </a:r>
+            <a:r>
+              <a:rPr lang="en-US" altLang="ko-KR" sz="1100" dirty="0"/>
+              <a:t> </a:t>
+            </a:r>
+            <a:r>
+              <a:rPr lang="ko-KR" altLang="en-US" sz="1100" dirty="0"/>
+              <a:t>맞게</a:t>
+            </a:r>
+            <a:r>
+              <a:rPr lang="en-US" altLang="ko-KR" sz="1100" dirty="0"/>
+              <a:t> </a:t>
+            </a:r>
+            <a:r>
+              <a:rPr lang="ko-KR" altLang="en-US" sz="1100" dirty="0"/>
+              <a:t>색상별로</a:t>
+            </a:r>
+            <a:r>
+              <a:rPr lang="en-US" altLang="ko-KR" sz="1100" dirty="0"/>
+              <a:t> </a:t>
+            </a:r>
+            <a:r>
+              <a:rPr lang="ko-KR" altLang="en-US" sz="1100" dirty="0"/>
+              <a:t>아래쪽에</a:t>
+            </a:r>
+            <a:r>
+              <a:rPr lang="en-US" altLang="ko-KR" sz="1100" dirty="0"/>
+              <a:t> </a:t>
+            </a:r>
+            <a:r>
+              <a:rPr lang="ko-KR" altLang="en-US" sz="1100" dirty="0"/>
+              <a:t>타이틀과</a:t>
+            </a:r>
+            <a:r>
+              <a:rPr lang="en-US" altLang="ko-KR" sz="1100" dirty="0"/>
+              <a:t> </a:t>
+            </a:r>
+            <a:r>
+              <a:rPr lang="ko-KR" altLang="en-US" sz="1100" dirty="0"/>
+              <a:t>함께</a:t>
+            </a:r>
+            <a:r>
+              <a:rPr lang="en-US" altLang="ko-KR" sz="1100" dirty="0"/>
+              <a:t> </a:t>
+            </a:r>
+            <a:r>
+              <a:rPr lang="ko-KR" altLang="en-US" sz="1100" dirty="0"/>
+              <a:t>표시</a:t>
+            </a:r>
+            <a:r>
+              <a:rPr lang="en-US" altLang="ko-KR" sz="1100" dirty="0"/>
+              <a:t> (</a:t>
+            </a:r>
+            <a:r>
+              <a:rPr lang="ko-KR" altLang="en-US" sz="1100" dirty="0"/>
+              <a:t>카드</a:t>
+            </a:r>
+            <a:r>
+              <a:rPr lang="en-US" altLang="ko-KR" sz="1100" dirty="0"/>
+              <a:t> </a:t>
+            </a:r>
+            <a:r>
+              <a:rPr lang="ko-KR" altLang="en-US" sz="1100" dirty="0"/>
+              <a:t>영역</a:t>
+            </a:r>
+            <a:r>
+              <a:rPr lang="en-US" altLang="ko-KR" sz="1100" dirty="0"/>
+              <a:t> </a:t>
+            </a:r>
+            <a:r>
+              <a:rPr lang="ko-KR" altLang="en-US" sz="1100" dirty="0"/>
+              <a:t>타이틀은</a:t>
+            </a:r>
+            <a:r>
+              <a:rPr lang="en-US" altLang="ko-KR" sz="1100" dirty="0"/>
+              <a:t> </a:t>
+            </a:r>
+            <a:r>
+              <a:rPr lang="ko-KR" altLang="en-US" sz="1100" dirty="0"/>
+              <a:t>미정</a:t>
+            </a:r>
+            <a:r>
+              <a:rPr lang="en-US" altLang="ko-KR" sz="1100" dirty="0"/>
+              <a:t> )</a:t>
+            </a:r>
+          </a:p>
+          <a:p>
+            <a:pPr marL="342900" indent="-342900">
+              <a:lnSpc>
+                <a:spcPct val="100000"/>
+              </a:lnSpc>
+              <a:buFont typeface="+mj-lt"/>
+              <a:buAutoNum type="arabicPeriod" startAt="6"/>
+            </a:pPr>
+            <a:r>
+              <a:rPr lang="ko-KR" altLang="en-US" sz="1100" dirty="0"/>
+              <a:t>주간 기상정보를 알려주며 </a:t>
+            </a:r>
+            <a:r>
+              <a:rPr lang="en-US" altLang="ko-KR" sz="1100" dirty="0"/>
+              <a:t>1</a:t>
+            </a:r>
+            <a:r>
+              <a:rPr lang="ko-KR" altLang="en-US" sz="1100" dirty="0"/>
+              <a:t>주일 정도의 기상 정보를 알려줌</a:t>
+            </a:r>
+            <a:endParaRPr lang="en-US" altLang="ko-KR" sz="1100" dirty="0"/>
+          </a:p>
+          <a:p>
+            <a:pPr marL="800100" lvl="1" indent="-342900">
+              <a:lnSpc>
+                <a:spcPct val="100000"/>
+              </a:lnSpc>
+              <a:buFont typeface="+mj-lt"/>
+              <a:buAutoNum type="arabicPeriod"/>
+            </a:pPr>
+            <a:r>
+              <a:rPr lang="ko-KR" altLang="en-US" sz="1100" dirty="0"/>
+              <a:t>카드를 가로로 나열하며 스크롤 방식으로 넘어갈 수 있도록 함</a:t>
+            </a:r>
+            <a:endParaRPr lang="en-US" altLang="ko-KR" sz="1100" dirty="0"/>
+          </a:p>
+          <a:p>
+            <a:pPr marL="800100" lvl="1" indent="-342900">
+              <a:lnSpc>
+                <a:spcPct val="100000"/>
+              </a:lnSpc>
+              <a:buFont typeface="+mj-lt"/>
+              <a:buAutoNum type="arabicPeriod"/>
+            </a:pPr>
+            <a:r>
+              <a:rPr lang="ko-KR" altLang="en-US" sz="1100" dirty="0"/>
+              <a:t>기본적인 제공 정보는 그날의 예상 날씨</a:t>
+            </a:r>
+            <a:r>
+              <a:rPr lang="en-US" altLang="ko-KR" sz="1100" dirty="0"/>
+              <a:t>, </a:t>
+            </a:r>
+            <a:r>
+              <a:rPr lang="ko-KR" altLang="en-US" sz="1100" dirty="0"/>
+              <a:t>최고</a:t>
+            </a:r>
+            <a:r>
+              <a:rPr lang="en-US" altLang="ko-KR" sz="1100" dirty="0"/>
+              <a:t>, </a:t>
+            </a:r>
+            <a:r>
+              <a:rPr lang="ko-KR" altLang="en-US" sz="1100" dirty="0"/>
+              <a:t>최저기온만을 나타냄</a:t>
+            </a:r>
+            <a:endParaRPr lang="en-US" altLang="ko-KR" sz="1100" dirty="0"/>
+          </a:p>
+          <a:p>
+            <a:pPr marL="342900" indent="-342900">
+              <a:lnSpc>
+                <a:spcPct val="100000"/>
+              </a:lnSpc>
+              <a:buFont typeface="+mj-lt"/>
+              <a:buAutoNum type="arabicPeriod" startAt="6"/>
+            </a:pPr>
+            <a:r>
+              <a:rPr lang="en-US" altLang="ko-KR" sz="1100" dirty="0"/>
+              <a:t>GPS</a:t>
+            </a:r>
+            <a:r>
+              <a:rPr lang="ko-KR" altLang="en-US" sz="1100" dirty="0"/>
+              <a:t> 권한을 얻어 사용자 위치를 가져오고 그 위치에 맞는 지역으로 설정됨</a:t>
+            </a:r>
+            <a:endParaRPr lang="en-US" altLang="ko-KR" sz="1100" dirty="0"/>
+          </a:p>
+          <a:p>
+            <a:pPr marL="800100" lvl="1" indent="-342900">
+              <a:lnSpc>
+                <a:spcPct val="100000"/>
+              </a:lnSpc>
+              <a:buFont typeface="+mj-lt"/>
+              <a:buAutoNum type="arabicPeriod"/>
+            </a:pPr>
+            <a:r>
+              <a:rPr lang="ko-KR" altLang="en-US" sz="1100" dirty="0"/>
+              <a:t>가져오지 </a:t>
+            </a:r>
+            <a:r>
+              <a:rPr lang="ko-KR" altLang="en-US" sz="1100" dirty="0" err="1"/>
+              <a:t>못한경우</a:t>
+            </a:r>
+            <a:r>
+              <a:rPr lang="ko-KR" altLang="en-US" sz="1100" dirty="0"/>
+              <a:t> 기본값으로 서울이 설정됨</a:t>
+            </a:r>
+            <a:endParaRPr lang="en-US" altLang="ko-KR" sz="1100" dirty="0"/>
+          </a:p>
+          <a:p>
+            <a:pPr marL="800100" lvl="1" indent="-342900">
+              <a:lnSpc>
+                <a:spcPct val="100000"/>
+              </a:lnSpc>
+              <a:buFont typeface="+mj-lt"/>
+              <a:buAutoNum type="arabicPeriod"/>
+            </a:pPr>
+            <a:r>
+              <a:rPr lang="ko-KR" altLang="en-US" sz="1100" dirty="0"/>
+              <a:t>지역 서울</a:t>
+            </a:r>
+            <a:r>
+              <a:rPr lang="en-US" altLang="ko-KR" sz="1100" dirty="0"/>
+              <a:t>, </a:t>
+            </a:r>
+            <a:r>
+              <a:rPr lang="ko-KR" altLang="en-US" sz="1100" dirty="0"/>
+              <a:t>인천</a:t>
+            </a:r>
+            <a:r>
+              <a:rPr lang="en-US" altLang="ko-KR" sz="1100" dirty="0"/>
+              <a:t>, </a:t>
+            </a:r>
+            <a:r>
+              <a:rPr lang="ko-KR" altLang="en-US" sz="1100" dirty="0" err="1"/>
+              <a:t>부산등</a:t>
+            </a:r>
+            <a:r>
+              <a:rPr lang="ko-KR" altLang="en-US" sz="1100" dirty="0"/>
+              <a:t> 전국기준으로 지역을 잡음</a:t>
+            </a:r>
+            <a:r>
+              <a:rPr lang="en-US" altLang="ko-KR" sz="1100" dirty="0"/>
+              <a:t>(</a:t>
+            </a:r>
+            <a:r>
+              <a:rPr lang="ko-KR" altLang="en-US" sz="1100" dirty="0"/>
+              <a:t>구 단위 없음</a:t>
+            </a:r>
+            <a:r>
+              <a:rPr lang="en-US" altLang="ko-KR" sz="1100" dirty="0"/>
+              <a:t>)</a:t>
+            </a:r>
+          </a:p>
+          <a:p>
+            <a:pPr marL="342900" indent="-342900">
+              <a:lnSpc>
+                <a:spcPct val="100000"/>
+              </a:lnSpc>
+              <a:buFont typeface="+mj-lt"/>
+              <a:buAutoNum type="arabicPeriod" startAt="6"/>
+            </a:pPr>
+            <a:r>
+              <a:rPr lang="ko-KR" altLang="en-US" sz="1100" dirty="0"/>
+              <a:t>주간 기상정보를 제공하는 서비스를 선택할 수 있는 드롭다운</a:t>
+            </a:r>
+            <a:endParaRPr lang="en-US" altLang="ko-KR" sz="1100" dirty="0"/>
+          </a:p>
+        </p:txBody>
+      </p:sp>
+      <p:sp>
+        <p:nvSpPr>
+          <p:cNvPr id="4" name="텍스트 개체 틀 3">
+            <a:extLst>
+              <a:ext uri="{FF2B5EF4-FFF2-40B4-BE49-F238E27FC236}">
+                <a16:creationId xmlns:a16="http://schemas.microsoft.com/office/drawing/2014/main" id="{A90FBA44-2C12-4B53-B5AE-AEE145BBF2D8}"/>
+              </a:ext>
+            </a:extLst>
+          </p:cNvPr>
+          <p:cNvSpPr>
+            <a:spLocks noGrp="1"/>
+          </p:cNvSpPr>
+          <p:nvPr>
+            <p:ph type="body" sz="quarter" idx="19"/>
+          </p:nvPr>
+        </p:nvSpPr>
+        <p:spPr/>
+        <p:txBody>
+          <a:bodyPr>
+            <a:normAutofit/>
+          </a:bodyPr>
+          <a:lstStyle/>
+          <a:p>
+            <a:pPr marL="0" indent="0">
+              <a:buNone/>
+            </a:pPr>
+            <a:r>
+              <a:rPr lang="ko-KR" altLang="en-US" sz="1600" dirty="0" err="1"/>
+              <a:t>메인화면</a:t>
+            </a:r>
+            <a:endParaRPr lang="ko-KR" altLang="en-US" sz="1600" dirty="0"/>
+          </a:p>
+        </p:txBody>
+      </p:sp>
+      <p:pic>
+        <p:nvPicPr>
+          <p:cNvPr id="6" name="그림 6">
+            <a:extLst>
+              <a:ext uri="{FF2B5EF4-FFF2-40B4-BE49-F238E27FC236}">
+                <a16:creationId xmlns:a16="http://schemas.microsoft.com/office/drawing/2014/main" id="{69C6AE83-3499-F347-B7A5-61975E4B49FF}"/>
+              </a:ext>
+            </a:extLst>
+          </p:cNvPr>
+          <p:cNvPicPr>
+            <a:picLocks noChangeAspect="1"/>
+          </p:cNvPicPr>
+          <p:nvPr/>
+        </p:nvPicPr>
+        <p:blipFill>
+          <a:blip r:embed="rId2">
+            <a:extLst>
+              <a:ext uri="{28A0092B-C50C-407E-A947-70E740481C1C}">
+                <a14:useLocalDpi xmlns:a14="http://schemas.microsoft.com/office/drawing/2010/main" val="0"/>
+              </a:ext>
+            </a:extLst>
+          </a:blip>
+          <a:stretch>
+            <a:fillRect/>
+          </a:stretch>
+        </p:blipFill>
+        <p:spPr>
+          <a:xfrm>
+            <a:off x="2835862" y="1073150"/>
+            <a:ext cx="3220686" cy="4938767"/>
+          </a:xfrm>
+          <a:prstGeom prst="rect">
+            <a:avLst/>
+          </a:prstGeom>
+        </p:spPr>
+      </p:pic>
+      <p:sp>
+        <p:nvSpPr>
+          <p:cNvPr id="7" name="타원 6">
+            <a:extLst>
+              <a:ext uri="{FF2B5EF4-FFF2-40B4-BE49-F238E27FC236}">
+                <a16:creationId xmlns:a16="http://schemas.microsoft.com/office/drawing/2014/main" id="{2318D349-37DB-1149-86DE-9E044EC9C58F}"/>
+              </a:ext>
+            </a:extLst>
+          </p:cNvPr>
+          <p:cNvSpPr/>
+          <p:nvPr/>
+        </p:nvSpPr>
+        <p:spPr>
+          <a:xfrm>
+            <a:off x="2835862" y="1132885"/>
+            <a:ext cx="235277" cy="245653"/>
+          </a:xfrm>
+          <a:prstGeom prst="ellipse">
+            <a:avLst/>
+          </a:prstGeom>
+          <a:solidFill>
+            <a:schemeClr val="accent2">
+              <a:lumMod val="60000"/>
+              <a:lumOff val="40000"/>
+            </a:schemeClr>
+          </a:solidFill>
+          <a:ln>
+            <a:solidFill>
+              <a:schemeClr val="accent2">
+                <a:lumMod val="60000"/>
+                <a:lumOff val="40000"/>
+              </a:schemeClr>
+            </a:solidFill>
+          </a:ln>
+        </p:spPr>
+        <p:style>
+          <a:lnRef idx="2">
+            <a:schemeClr val="accent1">
+              <a:shade val="50000"/>
+            </a:schemeClr>
+          </a:lnRef>
+          <a:fillRef idx="1">
+            <a:schemeClr val="accent1"/>
+          </a:fillRef>
+          <a:effectRef idx="0">
+            <a:schemeClr val="accent1"/>
+          </a:effectRef>
+          <a:fontRef idx="minor">
+            <a:schemeClr val="lt1"/>
+          </a:fontRef>
+        </p:style>
+        <p:txBody>
+          <a:bodyPr rtlCol="0" anchor="ctr"/>
+          <a:lstStyle/>
+          <a:p>
+            <a:pPr algn="ctr"/>
+            <a:r>
+              <a:rPr lang="en-US" altLang="ko-KR" sz="1400"/>
+              <a:t>1</a:t>
+            </a:r>
+          </a:p>
+        </p:txBody>
+      </p:sp>
+      <p:sp>
+        <p:nvSpPr>
+          <p:cNvPr id="9" name="타원 8">
+            <a:extLst>
+              <a:ext uri="{FF2B5EF4-FFF2-40B4-BE49-F238E27FC236}">
+                <a16:creationId xmlns:a16="http://schemas.microsoft.com/office/drawing/2014/main" id="{C7B97FD5-24E2-F746-B43B-AF6C7C507C8D}"/>
+              </a:ext>
+            </a:extLst>
+          </p:cNvPr>
+          <p:cNvSpPr/>
+          <p:nvPr/>
+        </p:nvSpPr>
+        <p:spPr>
+          <a:xfrm>
+            <a:off x="2823208" y="1555949"/>
+            <a:ext cx="235277" cy="245653"/>
+          </a:xfrm>
+          <a:prstGeom prst="ellipse">
+            <a:avLst/>
+          </a:prstGeom>
+          <a:solidFill>
+            <a:schemeClr val="accent2">
+              <a:lumMod val="60000"/>
+              <a:lumOff val="40000"/>
+            </a:schemeClr>
+          </a:solidFill>
+          <a:ln>
+            <a:solidFill>
+              <a:schemeClr val="accent2">
+                <a:lumMod val="60000"/>
+                <a:lumOff val="40000"/>
+              </a:schemeClr>
+            </a:solidFill>
+          </a:ln>
+        </p:spPr>
+        <p:style>
+          <a:lnRef idx="2">
+            <a:schemeClr val="accent1">
+              <a:shade val="50000"/>
+            </a:schemeClr>
+          </a:lnRef>
+          <a:fillRef idx="1">
+            <a:schemeClr val="accent1"/>
+          </a:fillRef>
+          <a:effectRef idx="0">
+            <a:schemeClr val="accent1"/>
+          </a:effectRef>
+          <a:fontRef idx="minor">
+            <a:schemeClr val="lt1"/>
+          </a:fontRef>
+        </p:style>
+        <p:txBody>
+          <a:bodyPr rtlCol="0" anchor="ctr"/>
+          <a:lstStyle/>
+          <a:p>
+            <a:pPr algn="ctr"/>
+            <a:r>
+              <a:rPr lang="en-US" altLang="ko-KR" sz="1400"/>
+              <a:t>2</a:t>
+            </a:r>
+          </a:p>
+        </p:txBody>
+      </p:sp>
+      <p:sp>
+        <p:nvSpPr>
+          <p:cNvPr id="11" name="타원 10">
+            <a:extLst>
+              <a:ext uri="{FF2B5EF4-FFF2-40B4-BE49-F238E27FC236}">
+                <a16:creationId xmlns:a16="http://schemas.microsoft.com/office/drawing/2014/main" id="{44012AAD-B73C-F244-BDB6-272B94B2D27A}"/>
+              </a:ext>
+            </a:extLst>
+          </p:cNvPr>
+          <p:cNvSpPr/>
+          <p:nvPr/>
+        </p:nvSpPr>
+        <p:spPr>
+          <a:xfrm>
+            <a:off x="5285348" y="1498709"/>
+            <a:ext cx="235277" cy="245653"/>
+          </a:xfrm>
+          <a:prstGeom prst="ellipse">
+            <a:avLst/>
+          </a:prstGeom>
+          <a:solidFill>
+            <a:schemeClr val="accent2">
+              <a:lumMod val="60000"/>
+              <a:lumOff val="40000"/>
+            </a:schemeClr>
+          </a:solidFill>
+          <a:ln>
+            <a:solidFill>
+              <a:schemeClr val="accent2">
+                <a:lumMod val="60000"/>
+                <a:lumOff val="40000"/>
+              </a:schemeClr>
+            </a:solidFill>
+          </a:ln>
+        </p:spPr>
+        <p:style>
+          <a:lnRef idx="2">
+            <a:schemeClr val="accent1">
+              <a:shade val="50000"/>
+            </a:schemeClr>
+          </a:lnRef>
+          <a:fillRef idx="1">
+            <a:schemeClr val="accent1"/>
+          </a:fillRef>
+          <a:effectRef idx="0">
+            <a:schemeClr val="accent1"/>
+          </a:effectRef>
+          <a:fontRef idx="minor">
+            <a:schemeClr val="lt1"/>
+          </a:fontRef>
+        </p:style>
+        <p:txBody>
+          <a:bodyPr rtlCol="0" anchor="ctr"/>
+          <a:lstStyle/>
+          <a:p>
+            <a:pPr algn="ctr"/>
+            <a:r>
+              <a:rPr lang="en-US" altLang="ko-KR" sz="1400"/>
+              <a:t>3</a:t>
+            </a:r>
+          </a:p>
+        </p:txBody>
+      </p:sp>
+      <p:sp>
+        <p:nvSpPr>
+          <p:cNvPr id="13" name="타원 12">
+            <a:extLst>
+              <a:ext uri="{FF2B5EF4-FFF2-40B4-BE49-F238E27FC236}">
+                <a16:creationId xmlns:a16="http://schemas.microsoft.com/office/drawing/2014/main" id="{C09EC433-DA23-0F4F-A800-5F27C3234F7A}"/>
+              </a:ext>
+            </a:extLst>
+          </p:cNvPr>
+          <p:cNvSpPr/>
+          <p:nvPr/>
+        </p:nvSpPr>
+        <p:spPr>
+          <a:xfrm>
+            <a:off x="2958703" y="1958584"/>
+            <a:ext cx="235277" cy="245653"/>
+          </a:xfrm>
+          <a:prstGeom prst="ellipse">
+            <a:avLst/>
+          </a:prstGeom>
+          <a:solidFill>
+            <a:schemeClr val="accent2">
+              <a:lumMod val="60000"/>
+              <a:lumOff val="40000"/>
+            </a:schemeClr>
+          </a:solidFill>
+          <a:ln>
+            <a:solidFill>
+              <a:schemeClr val="accent2">
+                <a:lumMod val="60000"/>
+                <a:lumOff val="40000"/>
+              </a:schemeClr>
+            </a:solidFill>
+          </a:ln>
+        </p:spPr>
+        <p:style>
+          <a:lnRef idx="2">
+            <a:schemeClr val="accent1">
+              <a:shade val="50000"/>
+            </a:schemeClr>
+          </a:lnRef>
+          <a:fillRef idx="1">
+            <a:schemeClr val="accent1"/>
+          </a:fillRef>
+          <a:effectRef idx="0">
+            <a:schemeClr val="accent1"/>
+          </a:effectRef>
+          <a:fontRef idx="minor">
+            <a:schemeClr val="lt1"/>
+          </a:fontRef>
+        </p:style>
+        <p:txBody>
+          <a:bodyPr rtlCol="0" anchor="ctr"/>
+          <a:lstStyle/>
+          <a:p>
+            <a:pPr algn="ctr"/>
+            <a:r>
+              <a:rPr lang="en-US" altLang="ko-KR" sz="1400"/>
+              <a:t>4</a:t>
+            </a:r>
+          </a:p>
+        </p:txBody>
+      </p:sp>
+      <p:sp>
+        <p:nvSpPr>
+          <p:cNvPr id="15" name="타원 14">
+            <a:extLst>
+              <a:ext uri="{FF2B5EF4-FFF2-40B4-BE49-F238E27FC236}">
+                <a16:creationId xmlns:a16="http://schemas.microsoft.com/office/drawing/2014/main" id="{5CFDF7D1-8702-6648-86CE-C1AAD4EB6DEB}"/>
+              </a:ext>
+            </a:extLst>
+          </p:cNvPr>
+          <p:cNvSpPr/>
+          <p:nvPr/>
+        </p:nvSpPr>
+        <p:spPr>
+          <a:xfrm>
+            <a:off x="2768535" y="2884111"/>
+            <a:ext cx="235277" cy="245653"/>
+          </a:xfrm>
+          <a:prstGeom prst="ellipse">
+            <a:avLst/>
+          </a:prstGeom>
+          <a:solidFill>
+            <a:schemeClr val="accent2">
+              <a:lumMod val="60000"/>
+              <a:lumOff val="40000"/>
+            </a:schemeClr>
+          </a:solidFill>
+          <a:ln>
+            <a:solidFill>
+              <a:schemeClr val="accent2">
+                <a:lumMod val="60000"/>
+                <a:lumOff val="40000"/>
+              </a:schemeClr>
+            </a:solidFill>
+          </a:ln>
+        </p:spPr>
+        <p:style>
+          <a:lnRef idx="2">
+            <a:schemeClr val="accent1">
+              <a:shade val="50000"/>
+            </a:schemeClr>
+          </a:lnRef>
+          <a:fillRef idx="1">
+            <a:schemeClr val="accent1"/>
+          </a:fillRef>
+          <a:effectRef idx="0">
+            <a:schemeClr val="accent1"/>
+          </a:effectRef>
+          <a:fontRef idx="minor">
+            <a:schemeClr val="lt1"/>
+          </a:fontRef>
+        </p:style>
+        <p:txBody>
+          <a:bodyPr rtlCol="0" anchor="ctr"/>
+          <a:lstStyle/>
+          <a:p>
+            <a:pPr algn="ctr"/>
+            <a:r>
+              <a:rPr lang="en-US" altLang="ko-KR" sz="1400"/>
+              <a:t>5</a:t>
+            </a:r>
+          </a:p>
+        </p:txBody>
+      </p:sp>
+      <p:sp>
+        <p:nvSpPr>
+          <p:cNvPr id="17" name="타원 16">
+            <a:extLst>
+              <a:ext uri="{FF2B5EF4-FFF2-40B4-BE49-F238E27FC236}">
+                <a16:creationId xmlns:a16="http://schemas.microsoft.com/office/drawing/2014/main" id="{90737DC5-195A-6F46-AD3C-C729BBA3DD17}"/>
+              </a:ext>
+            </a:extLst>
+          </p:cNvPr>
+          <p:cNvSpPr/>
+          <p:nvPr/>
+        </p:nvSpPr>
+        <p:spPr>
+          <a:xfrm>
+            <a:off x="3076341" y="3292872"/>
+            <a:ext cx="235277" cy="245653"/>
+          </a:xfrm>
+          <a:prstGeom prst="ellipse">
+            <a:avLst/>
+          </a:prstGeom>
+          <a:solidFill>
+            <a:schemeClr val="accent2">
+              <a:lumMod val="60000"/>
+              <a:lumOff val="40000"/>
+            </a:schemeClr>
+          </a:solidFill>
+          <a:ln>
+            <a:solidFill>
+              <a:schemeClr val="accent2">
+                <a:lumMod val="60000"/>
+                <a:lumOff val="40000"/>
+              </a:schemeClr>
+            </a:solidFill>
+          </a:ln>
+        </p:spPr>
+        <p:style>
+          <a:lnRef idx="2">
+            <a:schemeClr val="accent1">
+              <a:shade val="50000"/>
+            </a:schemeClr>
+          </a:lnRef>
+          <a:fillRef idx="1">
+            <a:schemeClr val="accent1"/>
+          </a:fillRef>
+          <a:effectRef idx="0">
+            <a:schemeClr val="accent1"/>
+          </a:effectRef>
+          <a:fontRef idx="minor">
+            <a:schemeClr val="lt1"/>
+          </a:fontRef>
+        </p:style>
+        <p:txBody>
+          <a:bodyPr rtlCol="0" anchor="ctr"/>
+          <a:lstStyle/>
+          <a:p>
+            <a:pPr algn="ctr"/>
+            <a:r>
+              <a:rPr lang="en-US" altLang="ko-KR" sz="1400"/>
+              <a:t>6</a:t>
+            </a:r>
+          </a:p>
+        </p:txBody>
+      </p:sp>
+      <p:sp>
+        <p:nvSpPr>
+          <p:cNvPr id="19" name="타원 18">
+            <a:extLst>
+              <a:ext uri="{FF2B5EF4-FFF2-40B4-BE49-F238E27FC236}">
+                <a16:creationId xmlns:a16="http://schemas.microsoft.com/office/drawing/2014/main" id="{C7758454-652F-6143-B0E3-599573A25748}"/>
+              </a:ext>
+            </a:extLst>
+          </p:cNvPr>
+          <p:cNvSpPr/>
+          <p:nvPr/>
+        </p:nvSpPr>
+        <p:spPr>
+          <a:xfrm>
+            <a:off x="2832664" y="4276280"/>
+            <a:ext cx="235277" cy="245653"/>
+          </a:xfrm>
+          <a:prstGeom prst="ellipse">
+            <a:avLst/>
+          </a:prstGeom>
+          <a:solidFill>
+            <a:schemeClr val="accent2">
+              <a:lumMod val="60000"/>
+              <a:lumOff val="40000"/>
+            </a:schemeClr>
+          </a:solidFill>
+          <a:ln>
+            <a:solidFill>
+              <a:schemeClr val="accent2">
+                <a:lumMod val="60000"/>
+                <a:lumOff val="40000"/>
+              </a:schemeClr>
+            </a:solidFill>
+          </a:ln>
+        </p:spPr>
+        <p:style>
+          <a:lnRef idx="2">
+            <a:schemeClr val="accent1">
+              <a:shade val="50000"/>
+            </a:schemeClr>
+          </a:lnRef>
+          <a:fillRef idx="1">
+            <a:schemeClr val="accent1"/>
+          </a:fillRef>
+          <a:effectRef idx="0">
+            <a:schemeClr val="accent1"/>
+          </a:effectRef>
+          <a:fontRef idx="minor">
+            <a:schemeClr val="lt1"/>
+          </a:fontRef>
+        </p:style>
+        <p:txBody>
+          <a:bodyPr rtlCol="0" anchor="ctr"/>
+          <a:lstStyle/>
+          <a:p>
+            <a:pPr algn="ctr"/>
+            <a:r>
+              <a:rPr lang="en-US" altLang="ko-KR" sz="1400"/>
+              <a:t>7</a:t>
+            </a:r>
+          </a:p>
+        </p:txBody>
+      </p:sp>
+      <p:sp>
+        <p:nvSpPr>
+          <p:cNvPr id="21" name="타원 20">
+            <a:extLst>
+              <a:ext uri="{FF2B5EF4-FFF2-40B4-BE49-F238E27FC236}">
+                <a16:creationId xmlns:a16="http://schemas.microsoft.com/office/drawing/2014/main" id="{6F93E84D-5044-B244-9AE3-BEF1415216D4}"/>
+              </a:ext>
+            </a:extLst>
+          </p:cNvPr>
+          <p:cNvSpPr/>
+          <p:nvPr/>
+        </p:nvSpPr>
+        <p:spPr>
+          <a:xfrm>
+            <a:off x="5195374" y="1081606"/>
+            <a:ext cx="235277" cy="245653"/>
+          </a:xfrm>
+          <a:prstGeom prst="ellipse">
+            <a:avLst/>
+          </a:prstGeom>
+          <a:solidFill>
+            <a:schemeClr val="accent2">
+              <a:lumMod val="60000"/>
+              <a:lumOff val="40000"/>
+            </a:schemeClr>
+          </a:solidFill>
+          <a:ln>
+            <a:solidFill>
+              <a:schemeClr val="accent2">
+                <a:lumMod val="60000"/>
+                <a:lumOff val="40000"/>
+              </a:schemeClr>
+            </a:solidFill>
+          </a:ln>
+        </p:spPr>
+        <p:style>
+          <a:lnRef idx="2">
+            <a:schemeClr val="accent1">
+              <a:shade val="50000"/>
+            </a:schemeClr>
+          </a:lnRef>
+          <a:fillRef idx="1">
+            <a:schemeClr val="accent1"/>
+          </a:fillRef>
+          <a:effectRef idx="0">
+            <a:schemeClr val="accent1"/>
+          </a:effectRef>
+          <a:fontRef idx="minor">
+            <a:schemeClr val="lt1"/>
+          </a:fontRef>
+        </p:style>
+        <p:txBody>
+          <a:bodyPr rtlCol="0" anchor="ctr"/>
+          <a:lstStyle/>
+          <a:p>
+            <a:pPr algn="ctr"/>
+            <a:r>
+              <a:rPr lang="en-US" altLang="ko-KR" sz="1400"/>
+              <a:t>8</a:t>
+            </a:r>
+          </a:p>
+        </p:txBody>
+      </p:sp>
+      <p:sp>
+        <p:nvSpPr>
+          <p:cNvPr id="23" name="타원 22">
+            <a:extLst>
+              <a:ext uri="{FF2B5EF4-FFF2-40B4-BE49-F238E27FC236}">
+                <a16:creationId xmlns:a16="http://schemas.microsoft.com/office/drawing/2014/main" id="{BCA0EC64-0C57-6446-9C1D-E5FD605F442B}"/>
+              </a:ext>
+            </a:extLst>
+          </p:cNvPr>
+          <p:cNvSpPr/>
+          <p:nvPr/>
+        </p:nvSpPr>
+        <p:spPr>
+          <a:xfrm>
+            <a:off x="5109965" y="4276279"/>
+            <a:ext cx="235277" cy="245653"/>
+          </a:xfrm>
+          <a:prstGeom prst="ellipse">
+            <a:avLst/>
+          </a:prstGeom>
+          <a:solidFill>
+            <a:schemeClr val="accent2">
+              <a:lumMod val="60000"/>
+              <a:lumOff val="40000"/>
+            </a:schemeClr>
+          </a:solidFill>
+          <a:ln>
+            <a:solidFill>
+              <a:schemeClr val="accent2">
+                <a:lumMod val="60000"/>
+                <a:lumOff val="40000"/>
+              </a:schemeClr>
+            </a:solidFill>
+          </a:ln>
+        </p:spPr>
+        <p:style>
+          <a:lnRef idx="2">
+            <a:schemeClr val="accent1">
+              <a:shade val="50000"/>
+            </a:schemeClr>
+          </a:lnRef>
+          <a:fillRef idx="1">
+            <a:schemeClr val="accent1"/>
+          </a:fillRef>
+          <a:effectRef idx="0">
+            <a:schemeClr val="accent1"/>
+          </a:effectRef>
+          <a:fontRef idx="minor">
+            <a:schemeClr val="lt1"/>
+          </a:fontRef>
+        </p:style>
+        <p:txBody>
+          <a:bodyPr rtlCol="0" anchor="ctr"/>
+          <a:lstStyle/>
+          <a:p>
+            <a:pPr algn="ctr"/>
+            <a:r>
+              <a:rPr lang="en-US" altLang="ko-KR" sz="1400"/>
+              <a:t>9</a:t>
+            </a:r>
+          </a:p>
+        </p:txBody>
+      </p:sp>
+    </p:spTree>
+    <p:extLst>
+      <p:ext uri="{BB962C8B-B14F-4D97-AF65-F5344CB8AC3E}">
+        <p14:creationId xmlns:p14="http://schemas.microsoft.com/office/powerpoint/2010/main" val="1730499372"/>
+      </p:ext>
+    </p:extLst>
+  </p:cSld>
+  <p:clrMapOvr>
+    <a:masterClrMapping/>
+  </p:clrMapOvr>
+</p:sld>
+</file>
+
+<file path=ppt/slides/slide6.xml><?xml version="1.0" encoding="utf-8"?>
+<p:sld xmlns:a="http://schemas.openxmlformats.org/drawingml/2006/main" xmlns:r="http://schemas.openxmlformats.org/officeDocument/2006/relationships" xmlns:p="http://schemas.openxmlformats.org/presentationml/2006/main">
+  <p:cSld>
+    <p:spTree>
+      <p:nvGrpSpPr>
+        <p:cNvPr id="1" name=""/>
+        <p:cNvGrpSpPr/>
+        <p:nvPr/>
+      </p:nvGrpSpPr>
+      <p:grpSpPr>
+        <a:xfrm>
+          <a:off x="0" y="0"/>
+          <a:ext cx="0" cy="0"/>
+          <a:chOff x="0" y="0"/>
+          <a:chExt cx="0" cy="0"/>
+        </a:xfrm>
+      </p:grpSpPr>
+      <p:sp>
+        <p:nvSpPr>
+          <p:cNvPr id="2" name="제목 1">
+            <a:extLst>
+              <a:ext uri="{FF2B5EF4-FFF2-40B4-BE49-F238E27FC236}">
+                <a16:creationId xmlns:a16="http://schemas.microsoft.com/office/drawing/2014/main" id="{C9468992-6595-4FFC-948D-5CB02BD95C0C}"/>
+              </a:ext>
+            </a:extLst>
+          </p:cNvPr>
+          <p:cNvSpPr>
+            <a:spLocks noGrp="1"/>
+          </p:cNvSpPr>
+          <p:nvPr>
+            <p:ph type="title"/>
+          </p:nvPr>
+        </p:nvSpPr>
+        <p:spPr/>
+        <p:txBody>
+          <a:bodyPr/>
+          <a:lstStyle/>
+          <a:p>
+            <a:r>
+              <a:rPr lang="ko-KR" altLang="en-US" sz="2000" dirty="0"/>
+              <a:t>기상정보</a:t>
+            </a:r>
+          </a:p>
+        </p:txBody>
+      </p:sp>
+      <p:sp>
+        <p:nvSpPr>
+          <p:cNvPr id="3" name="텍스트 개체 틀 2">
+            <a:extLst>
+              <a:ext uri="{FF2B5EF4-FFF2-40B4-BE49-F238E27FC236}">
+                <a16:creationId xmlns:a16="http://schemas.microsoft.com/office/drawing/2014/main" id="{A2F4DEA8-ECED-4BB9-A4AB-F5C549739041}"/>
+              </a:ext>
+            </a:extLst>
+          </p:cNvPr>
+          <p:cNvSpPr>
+            <a:spLocks noGrp="1"/>
+          </p:cNvSpPr>
+          <p:nvPr>
+            <p:ph type="body" sz="quarter" idx="18"/>
+          </p:nvPr>
+        </p:nvSpPr>
+        <p:spPr/>
+        <p:txBody>
+          <a:bodyPr>
+            <a:normAutofit/>
+          </a:bodyPr>
+          <a:lstStyle/>
+          <a:p>
+            <a:pPr>
+              <a:buFont typeface="+mj-lt"/>
+              <a:buAutoNum type="arabicPeriod"/>
+            </a:pPr>
+            <a:r>
+              <a:rPr lang="ko-KR" altLang="en-US" sz="1100" dirty="0" err="1"/>
+              <a:t>메인화면</a:t>
+            </a:r>
+            <a:r>
+              <a:rPr lang="ko-KR" altLang="en-US" sz="1100" dirty="0"/>
+              <a:t> 타이틀과 내용 같음</a:t>
+            </a:r>
+            <a:endParaRPr lang="en-US" altLang="ko-KR" sz="1100" dirty="0"/>
+          </a:p>
+          <a:p>
+            <a:pPr>
+              <a:buFont typeface="+mj-lt"/>
+              <a:buAutoNum type="arabicPeriod"/>
+            </a:pPr>
+            <a:r>
+              <a:rPr lang="ko-KR" altLang="en-US" sz="1100" dirty="0"/>
+              <a:t>현재 위치를 기반으로 구 단위까지 표시하며 지역에 맞는 기상정보</a:t>
+            </a:r>
+            <a:r>
+              <a:rPr lang="en-US" altLang="ko-KR" sz="1100" dirty="0"/>
+              <a:t>, </a:t>
+            </a:r>
+            <a:r>
+              <a:rPr lang="ko-KR" altLang="en-US" sz="1100" dirty="0"/>
+              <a:t>일출</a:t>
+            </a:r>
+            <a:r>
+              <a:rPr lang="en-US" altLang="ko-KR" sz="1100" dirty="0"/>
+              <a:t>, </a:t>
+            </a:r>
+            <a:r>
+              <a:rPr lang="ko-KR" altLang="en-US" sz="1100" dirty="0" err="1"/>
+              <a:t>일몰등의</a:t>
+            </a:r>
+            <a:r>
+              <a:rPr lang="ko-KR" altLang="en-US" sz="1100" dirty="0"/>
+              <a:t> 정보를 제공</a:t>
+            </a:r>
+            <a:endParaRPr lang="en-US" altLang="ko-KR" sz="1100" dirty="0"/>
+          </a:p>
+          <a:p>
+            <a:pPr>
+              <a:buFont typeface="+mj-lt"/>
+              <a:buAutoNum type="arabicPeriod"/>
+            </a:pPr>
+            <a:r>
+              <a:rPr lang="ko-KR" altLang="en-US" sz="1100" dirty="0"/>
+              <a:t>당일 </a:t>
+            </a:r>
+            <a:r>
+              <a:rPr lang="en-US" altLang="ko-KR" sz="1100" dirty="0"/>
+              <a:t>3</a:t>
+            </a:r>
+            <a:r>
+              <a:rPr lang="ko-KR" altLang="en-US" sz="1100" dirty="0"/>
+              <a:t>시간단위의 기상 정보를 스크롤 형식으로 표시함 </a:t>
+            </a:r>
+            <a:r>
+              <a:rPr lang="en-US" altLang="ko-KR" sz="1100" dirty="0"/>
+              <a:t>(</a:t>
+            </a:r>
+            <a:r>
+              <a:rPr lang="ko-KR" altLang="en-US" sz="1100" dirty="0"/>
+              <a:t>최대 </a:t>
+            </a:r>
+            <a:r>
+              <a:rPr lang="en-US" altLang="ko-KR" sz="1100" dirty="0"/>
+              <a:t>24</a:t>
+            </a:r>
+            <a:r>
+              <a:rPr lang="ko-KR" altLang="en-US" sz="1100" dirty="0"/>
+              <a:t>시간</a:t>
+            </a:r>
+            <a:r>
+              <a:rPr lang="en-US" altLang="ko-KR" sz="1100" dirty="0"/>
+              <a:t>)</a:t>
+            </a:r>
+          </a:p>
+          <a:p>
+            <a:pPr lvl="1">
+              <a:buFont typeface="+mj-lt"/>
+              <a:buAutoNum type="arabicPeriod"/>
+            </a:pPr>
+            <a:r>
+              <a:rPr lang="ko-KR" altLang="en-US" sz="1100" dirty="0"/>
+              <a:t>가장 좌측엔 현재 시간의 정보를 제공하며 우측 카드로 넘어갈수록 현재 시간대의 </a:t>
+            </a:r>
+            <a:r>
+              <a:rPr lang="en-US" altLang="ko-KR" sz="1100" dirty="0"/>
+              <a:t>+3</a:t>
+            </a:r>
+            <a:r>
+              <a:rPr lang="ko-KR" altLang="en-US" sz="1100" dirty="0"/>
+              <a:t>시간으로 </a:t>
+            </a:r>
+            <a:r>
+              <a:rPr lang="en-US" altLang="ko-KR" sz="1100" dirty="0"/>
+              <a:t>24</a:t>
+            </a:r>
+            <a:r>
+              <a:rPr lang="ko-KR" altLang="en-US" sz="1100" dirty="0" err="1"/>
+              <a:t>시간뒤의</a:t>
+            </a:r>
+            <a:r>
+              <a:rPr lang="ko-KR" altLang="en-US" sz="1100" dirty="0"/>
+              <a:t> 현재시간 전까지</a:t>
+            </a:r>
+            <a:endParaRPr lang="en-US" altLang="ko-KR" sz="1100" dirty="0"/>
+          </a:p>
+          <a:p>
+            <a:pPr>
+              <a:buFont typeface="+mj-lt"/>
+              <a:buAutoNum type="arabicPeriod"/>
+            </a:pPr>
+            <a:r>
+              <a:rPr lang="ko-KR" altLang="en-US" sz="1100" dirty="0"/>
+              <a:t>대기정보를 아이콘과 텍스트 정보로 함께 표시</a:t>
+            </a:r>
+            <a:endParaRPr lang="en-US" altLang="ko-KR" sz="1100" dirty="0"/>
+          </a:p>
+        </p:txBody>
+      </p:sp>
+      <p:sp>
+        <p:nvSpPr>
+          <p:cNvPr id="4" name="텍스트 개체 틀 3">
+            <a:extLst>
+              <a:ext uri="{FF2B5EF4-FFF2-40B4-BE49-F238E27FC236}">
+                <a16:creationId xmlns:a16="http://schemas.microsoft.com/office/drawing/2014/main" id="{9584F9E8-7FF3-4D5A-952D-19FAF04016D5}"/>
+              </a:ext>
+            </a:extLst>
+          </p:cNvPr>
+          <p:cNvSpPr>
+            <a:spLocks noGrp="1"/>
+          </p:cNvSpPr>
+          <p:nvPr>
+            <p:ph type="body" sz="quarter" idx="19"/>
+          </p:nvPr>
+        </p:nvSpPr>
+        <p:spPr/>
+        <p:txBody>
+          <a:bodyPr>
+            <a:normAutofit/>
+          </a:bodyPr>
+          <a:lstStyle/>
+          <a:p>
+            <a:pPr marL="0" indent="0">
+              <a:buNone/>
+            </a:pPr>
+            <a:r>
+              <a:rPr lang="ko-KR" altLang="en-US" sz="1600" dirty="0"/>
+              <a:t>당일 날씨 상세화면</a:t>
+            </a:r>
+          </a:p>
+        </p:txBody>
+      </p:sp>
+      <p:pic>
+        <p:nvPicPr>
+          <p:cNvPr id="6" name="그림 5">
+            <a:extLst>
+              <a:ext uri="{FF2B5EF4-FFF2-40B4-BE49-F238E27FC236}">
+                <a16:creationId xmlns:a16="http://schemas.microsoft.com/office/drawing/2014/main" id="{F51AF9FB-F0B7-4E8C-9D52-901C32C6D50E}"/>
+              </a:ext>
+            </a:extLst>
+          </p:cNvPr>
+          <p:cNvPicPr>
+            <a:picLocks noChangeAspect="1"/>
+          </p:cNvPicPr>
+          <p:nvPr/>
+        </p:nvPicPr>
+        <p:blipFill>
+          <a:blip r:embed="rId2"/>
+          <a:stretch>
+            <a:fillRect/>
+          </a:stretch>
+        </p:blipFill>
+        <p:spPr>
+          <a:xfrm>
+            <a:off x="2939745" y="1073150"/>
+            <a:ext cx="3156255" cy="4939539"/>
+          </a:xfrm>
+          <a:prstGeom prst="rect">
+            <a:avLst/>
+          </a:prstGeom>
+        </p:spPr>
+      </p:pic>
+      <p:sp>
+        <p:nvSpPr>
+          <p:cNvPr id="7" name="타원 6">
+            <a:extLst>
+              <a:ext uri="{FF2B5EF4-FFF2-40B4-BE49-F238E27FC236}">
+                <a16:creationId xmlns:a16="http://schemas.microsoft.com/office/drawing/2014/main" id="{F7BCF1DC-DB06-4EAF-9FBB-7169F9A3D3B5}"/>
+              </a:ext>
+            </a:extLst>
+          </p:cNvPr>
+          <p:cNvSpPr/>
+          <p:nvPr/>
+        </p:nvSpPr>
+        <p:spPr>
+          <a:xfrm>
+            <a:off x="2953410" y="1132885"/>
+            <a:ext cx="235277" cy="245653"/>
+          </a:xfrm>
+          <a:prstGeom prst="ellipse">
+            <a:avLst/>
+          </a:prstGeom>
+          <a:solidFill>
+            <a:schemeClr val="accent2">
+              <a:lumMod val="60000"/>
+              <a:lumOff val="40000"/>
+            </a:schemeClr>
+          </a:solidFill>
+          <a:ln>
+            <a:solidFill>
+              <a:schemeClr val="accent2">
+                <a:lumMod val="60000"/>
+                <a:lumOff val="40000"/>
+              </a:schemeClr>
+            </a:solidFill>
+          </a:ln>
+        </p:spPr>
+        <p:style>
+          <a:lnRef idx="2">
+            <a:schemeClr val="accent1">
+              <a:shade val="50000"/>
+            </a:schemeClr>
+          </a:lnRef>
+          <a:fillRef idx="1">
+            <a:schemeClr val="accent1"/>
+          </a:fillRef>
+          <a:effectRef idx="0">
+            <a:schemeClr val="accent1"/>
+          </a:effectRef>
+          <a:fontRef idx="minor">
+            <a:schemeClr val="lt1"/>
+          </a:fontRef>
+        </p:style>
+        <p:txBody>
+          <a:bodyPr rtlCol="0" anchor="ctr"/>
+          <a:lstStyle/>
+          <a:p>
+            <a:pPr algn="ctr"/>
+            <a:r>
+              <a:rPr lang="en-US" altLang="ko-KR" sz="1400" dirty="0"/>
+              <a:t>1</a:t>
+            </a:r>
+          </a:p>
+        </p:txBody>
+      </p:sp>
+      <p:sp>
+        <p:nvSpPr>
+          <p:cNvPr id="8" name="타원 7">
+            <a:extLst>
+              <a:ext uri="{FF2B5EF4-FFF2-40B4-BE49-F238E27FC236}">
+                <a16:creationId xmlns:a16="http://schemas.microsoft.com/office/drawing/2014/main" id="{7D1E664C-AB2F-4D5A-BAF2-7DB570F90459}"/>
+              </a:ext>
+            </a:extLst>
+          </p:cNvPr>
+          <p:cNvSpPr/>
+          <p:nvPr/>
+        </p:nvSpPr>
+        <p:spPr>
+          <a:xfrm>
+            <a:off x="3071048" y="1498709"/>
+            <a:ext cx="235277" cy="245653"/>
+          </a:xfrm>
+          <a:prstGeom prst="ellipse">
+            <a:avLst/>
+          </a:prstGeom>
+          <a:solidFill>
+            <a:schemeClr val="accent2">
+              <a:lumMod val="60000"/>
+              <a:lumOff val="40000"/>
+            </a:schemeClr>
+          </a:solidFill>
+          <a:ln>
+            <a:solidFill>
+              <a:schemeClr val="accent2">
+                <a:lumMod val="60000"/>
+                <a:lumOff val="40000"/>
+              </a:schemeClr>
+            </a:solidFill>
+          </a:ln>
+        </p:spPr>
+        <p:style>
+          <a:lnRef idx="2">
+            <a:schemeClr val="accent1">
+              <a:shade val="50000"/>
+            </a:schemeClr>
+          </a:lnRef>
+          <a:fillRef idx="1">
+            <a:schemeClr val="accent1"/>
+          </a:fillRef>
+          <a:effectRef idx="0">
+            <a:schemeClr val="accent1"/>
+          </a:effectRef>
+          <a:fontRef idx="minor">
+            <a:schemeClr val="lt1"/>
+          </a:fontRef>
+        </p:style>
+        <p:txBody>
+          <a:bodyPr rtlCol="0" anchor="ctr"/>
+          <a:lstStyle/>
+          <a:p>
+            <a:pPr algn="ctr"/>
+            <a:r>
+              <a:rPr lang="en-US" altLang="ko-KR" sz="1400" dirty="0"/>
+              <a:t>2</a:t>
+            </a:r>
+          </a:p>
+        </p:txBody>
+      </p:sp>
+      <p:sp>
+        <p:nvSpPr>
+          <p:cNvPr id="9" name="타원 8">
+            <a:extLst>
+              <a:ext uri="{FF2B5EF4-FFF2-40B4-BE49-F238E27FC236}">
+                <a16:creationId xmlns:a16="http://schemas.microsoft.com/office/drawing/2014/main" id="{00324FC8-B4E6-413D-A3B0-A60C31E6A783}"/>
+              </a:ext>
+            </a:extLst>
+          </p:cNvPr>
+          <p:cNvSpPr/>
+          <p:nvPr/>
+        </p:nvSpPr>
+        <p:spPr>
+          <a:xfrm>
+            <a:off x="3084713" y="3098675"/>
+            <a:ext cx="235277" cy="245653"/>
+          </a:xfrm>
+          <a:prstGeom prst="ellipse">
+            <a:avLst/>
+          </a:prstGeom>
+          <a:solidFill>
+            <a:schemeClr val="accent2">
+              <a:lumMod val="60000"/>
+              <a:lumOff val="40000"/>
+            </a:schemeClr>
+          </a:solidFill>
+          <a:ln>
+            <a:solidFill>
+              <a:schemeClr val="accent2">
+                <a:lumMod val="60000"/>
+                <a:lumOff val="40000"/>
+              </a:schemeClr>
+            </a:solidFill>
+          </a:ln>
+        </p:spPr>
+        <p:style>
+          <a:lnRef idx="2">
+            <a:schemeClr val="accent1">
+              <a:shade val="50000"/>
+            </a:schemeClr>
+          </a:lnRef>
+          <a:fillRef idx="1">
+            <a:schemeClr val="accent1"/>
+          </a:fillRef>
+          <a:effectRef idx="0">
+            <a:schemeClr val="accent1"/>
+          </a:effectRef>
+          <a:fontRef idx="minor">
+            <a:schemeClr val="lt1"/>
+          </a:fontRef>
+        </p:style>
+        <p:txBody>
+          <a:bodyPr rtlCol="0" anchor="ctr"/>
+          <a:lstStyle/>
+          <a:p>
+            <a:pPr algn="ctr"/>
+            <a:r>
+              <a:rPr lang="en-US" altLang="ko-KR" sz="1400" dirty="0"/>
+              <a:t>3</a:t>
+            </a:r>
+          </a:p>
+        </p:txBody>
+      </p:sp>
+      <p:sp>
+        <p:nvSpPr>
+          <p:cNvPr id="10" name="타원 9">
+            <a:extLst>
+              <a:ext uri="{FF2B5EF4-FFF2-40B4-BE49-F238E27FC236}">
+                <a16:creationId xmlns:a16="http://schemas.microsoft.com/office/drawing/2014/main" id="{DD4A0C23-013D-4876-9DF4-3516E6E8BC51}"/>
+              </a:ext>
+            </a:extLst>
+          </p:cNvPr>
+          <p:cNvSpPr/>
+          <p:nvPr/>
+        </p:nvSpPr>
+        <p:spPr>
+          <a:xfrm>
+            <a:off x="3202351" y="4310029"/>
+            <a:ext cx="235277" cy="245653"/>
+          </a:xfrm>
+          <a:prstGeom prst="ellipse">
+            <a:avLst/>
+          </a:prstGeom>
+          <a:solidFill>
+            <a:schemeClr val="accent2">
+              <a:lumMod val="60000"/>
+              <a:lumOff val="40000"/>
+            </a:schemeClr>
+          </a:solidFill>
+          <a:ln>
+            <a:solidFill>
+              <a:schemeClr val="accent2">
+                <a:lumMod val="60000"/>
+                <a:lumOff val="40000"/>
+              </a:schemeClr>
+            </a:solidFill>
+          </a:ln>
+        </p:spPr>
+        <p:style>
+          <a:lnRef idx="2">
+            <a:schemeClr val="accent1">
+              <a:shade val="50000"/>
+            </a:schemeClr>
+          </a:lnRef>
+          <a:fillRef idx="1">
+            <a:schemeClr val="accent1"/>
+          </a:fillRef>
+          <a:effectRef idx="0">
+            <a:schemeClr val="accent1"/>
+          </a:effectRef>
+          <a:fontRef idx="minor">
+            <a:schemeClr val="lt1"/>
+          </a:fontRef>
+        </p:style>
+        <p:txBody>
+          <a:bodyPr rtlCol="0" anchor="ctr"/>
+          <a:lstStyle/>
+          <a:p>
+            <a:pPr algn="ctr"/>
+            <a:r>
+              <a:rPr lang="en-US" altLang="ko-KR" sz="1400" dirty="0"/>
+              <a:t>4</a:t>
+            </a:r>
+          </a:p>
+        </p:txBody>
+      </p:sp>
+    </p:spTree>
+    <p:extLst>
+      <p:ext uri="{BB962C8B-B14F-4D97-AF65-F5344CB8AC3E}">
+        <p14:creationId xmlns:p14="http://schemas.microsoft.com/office/powerpoint/2010/main" val="618389490"/>
       </p:ext>
     </p:extLst>
   </p:cSld>
